--- a/english/ppp/VR english ppp.pptx
+++ b/english/ppp/VR english ppp.pptx
@@ -4,17 +4,20 @@
   <p:sldMasterIdLst>
     <p:sldMasterId id="2147483679" r:id="rId1"/>
   </p:sldMasterIdLst>
+  <p:notesMasterIdLst>
+    <p:notesMasterId r:id="rId12"/>
+  </p:notesMasterIdLst>
   <p:sldIdLst>
     <p:sldId id="256" r:id="rId2"/>
     <p:sldId id="257" r:id="rId3"/>
     <p:sldId id="258" r:id="rId4"/>
     <p:sldId id="259" r:id="rId5"/>
     <p:sldId id="260" r:id="rId6"/>
-    <p:sldId id="261" r:id="rId7"/>
-    <p:sldId id="262" r:id="rId8"/>
-    <p:sldId id="263" r:id="rId9"/>
-    <p:sldId id="264" r:id="rId10"/>
-    <p:sldId id="265" r:id="rId11"/>
+    <p:sldId id="265" r:id="rId7"/>
+    <p:sldId id="261" r:id="rId8"/>
+    <p:sldId id="262" r:id="rId9"/>
+    <p:sldId id="263" r:id="rId10"/>
+    <p:sldId id="264" r:id="rId11"/>
   </p:sldIdLst>
   <p:sldSz cx="12192000" cy="6858000"/>
   <p:notesSz cx="6858000" cy="9144000"/>
@@ -121,6 +124,795 @@
 </p:presentation>
 </file>
 
+<file path=ppt/authors.xml><?xml version="1.0" encoding="utf-8"?>
+<p188:authorLst xmlns:a="http://schemas.openxmlformats.org/drawingml/2006/main" xmlns:r="http://schemas.openxmlformats.org/officeDocument/2006/relationships" xmlns:p188="http://schemas.microsoft.com/office/powerpoint/2018/8/main">
+  <p188:author id="{BF7092FB-7B9B-CD22-C952-0EFDEA7FDF17}" name="ITF1-20VeehVincent" initials="I2" userId="ITF1-20VeehVincent" providerId="None"/>
+</p188:authorLst>
+</file>
+
+<file path=ppt/notesMasters/notesMaster1.xml><?xml version="1.0" encoding="utf-8"?>
+<p:notesMaster xmlns:a="http://schemas.openxmlformats.org/drawingml/2006/main" xmlns:r="http://schemas.openxmlformats.org/officeDocument/2006/relationships" xmlns:p="http://schemas.openxmlformats.org/presentationml/2006/main">
+  <p:cSld>
+    <p:bg>
+      <p:bgRef idx="1001">
+        <a:schemeClr val="bg1"/>
+      </p:bgRef>
+    </p:bg>
+    <p:spTree>
+      <p:nvGrpSpPr>
+        <p:cNvPr id="1" name=""/>
+        <p:cNvGrpSpPr/>
+        <p:nvPr/>
+      </p:nvGrpSpPr>
+      <p:grpSpPr>
+        <a:xfrm>
+          <a:off x="0" y="0"/>
+          <a:ext cx="0" cy="0"/>
+          <a:chOff x="0" y="0"/>
+          <a:chExt cx="0" cy="0"/>
+        </a:xfrm>
+      </p:grpSpPr>
+      <p:sp>
+        <p:nvSpPr>
+          <p:cNvPr id="2" name="Header Placeholder 1"/>
+          <p:cNvSpPr>
+            <a:spLocks noGrp="1"/>
+          </p:cNvSpPr>
+          <p:nvPr>
+            <p:ph type="hdr" sz="quarter"/>
+          </p:nvPr>
+        </p:nvSpPr>
+        <p:spPr>
+          <a:xfrm>
+            <a:off x="0" y="0"/>
+            <a:ext cx="2971800" cy="458788"/>
+          </a:xfrm>
+          <a:prstGeom prst="rect">
+            <a:avLst/>
+          </a:prstGeom>
+        </p:spPr>
+        <p:txBody>
+          <a:bodyPr vert="horz" lIns="91440" tIns="45720" rIns="91440" bIns="45720" rtlCol="0"/>
+          <a:lstStyle>
+            <a:lvl1pPr algn="l">
+              <a:defRPr sz="1200"/>
+            </a:lvl1pPr>
+          </a:lstStyle>
+          <a:p>
+            <a:endParaRPr lang="en-US"/>
+          </a:p>
+        </p:txBody>
+      </p:sp>
+      <p:sp>
+        <p:nvSpPr>
+          <p:cNvPr id="3" name="Date Placeholder 2"/>
+          <p:cNvSpPr>
+            <a:spLocks noGrp="1"/>
+          </p:cNvSpPr>
+          <p:nvPr>
+            <p:ph type="dt" idx="1"/>
+          </p:nvPr>
+        </p:nvSpPr>
+        <p:spPr>
+          <a:xfrm>
+            <a:off x="3884613" y="0"/>
+            <a:ext cx="2971800" cy="458788"/>
+          </a:xfrm>
+          <a:prstGeom prst="rect">
+            <a:avLst/>
+          </a:prstGeom>
+        </p:spPr>
+        <p:txBody>
+          <a:bodyPr vert="horz" lIns="91440" tIns="45720" rIns="91440" bIns="45720" rtlCol="0"/>
+          <a:lstStyle>
+            <a:lvl1pPr algn="r">
+              <a:defRPr sz="1200"/>
+            </a:lvl1pPr>
+          </a:lstStyle>
+          <a:p>
+            <a:fld id="{905770C9-2DC9-4DC6-97ED-5A2CB44C7951}" type="datetimeFigureOut">
+              <a:rPr lang="en-US" smtClean="0"/>
+              <a:t>2/3/2022</a:t>
+            </a:fld>
+            <a:endParaRPr lang="en-US"/>
+          </a:p>
+        </p:txBody>
+      </p:sp>
+      <p:sp>
+        <p:nvSpPr>
+          <p:cNvPr id="4" name="Slide Image Placeholder 3"/>
+          <p:cNvSpPr>
+            <a:spLocks noGrp="1" noRot="1" noChangeAspect="1"/>
+          </p:cNvSpPr>
+          <p:nvPr>
+            <p:ph type="sldImg" idx="2"/>
+          </p:nvPr>
+        </p:nvSpPr>
+        <p:spPr>
+          <a:xfrm>
+            <a:off x="685800" y="1143000"/>
+            <a:ext cx="5486400" cy="3086100"/>
+          </a:xfrm>
+          <a:prstGeom prst="rect">
+            <a:avLst/>
+          </a:prstGeom>
+          <a:noFill/>
+          <a:ln w="12700">
+            <a:solidFill>
+              <a:prstClr val="black"/>
+            </a:solidFill>
+          </a:ln>
+        </p:spPr>
+        <p:txBody>
+          <a:bodyPr vert="horz" lIns="91440" tIns="45720" rIns="91440" bIns="45720" rtlCol="0" anchor="ctr"/>
+          <a:lstStyle/>
+          <a:p>
+            <a:endParaRPr lang="en-US"/>
+          </a:p>
+        </p:txBody>
+      </p:sp>
+      <p:sp>
+        <p:nvSpPr>
+          <p:cNvPr id="5" name="Notes Placeholder 4"/>
+          <p:cNvSpPr>
+            <a:spLocks noGrp="1"/>
+          </p:cNvSpPr>
+          <p:nvPr>
+            <p:ph type="body" sz="quarter" idx="3"/>
+          </p:nvPr>
+        </p:nvSpPr>
+        <p:spPr>
+          <a:xfrm>
+            <a:off x="685800" y="4400550"/>
+            <a:ext cx="5486400" cy="3600450"/>
+          </a:xfrm>
+          <a:prstGeom prst="rect">
+            <a:avLst/>
+          </a:prstGeom>
+        </p:spPr>
+        <p:txBody>
+          <a:bodyPr vert="horz" lIns="91440" tIns="45720" rIns="91440" bIns="45720" rtlCol="0"/>
+          <a:lstStyle/>
+          <a:p>
+            <a:pPr lvl="0"/>
+            <a:r>
+              <a:rPr lang="en-US"/>
+              <a:t>Click to edit Master text styles</a:t>
+            </a:r>
+          </a:p>
+          <a:p>
+            <a:pPr lvl="1"/>
+            <a:r>
+              <a:rPr lang="en-US"/>
+              <a:t>Second level</a:t>
+            </a:r>
+          </a:p>
+          <a:p>
+            <a:pPr lvl="2"/>
+            <a:r>
+              <a:rPr lang="en-US"/>
+              <a:t>Third level</a:t>
+            </a:r>
+          </a:p>
+          <a:p>
+            <a:pPr lvl="3"/>
+            <a:r>
+              <a:rPr lang="en-US"/>
+              <a:t>Fourth level</a:t>
+            </a:r>
+          </a:p>
+          <a:p>
+            <a:pPr lvl="4"/>
+            <a:r>
+              <a:rPr lang="en-US"/>
+              <a:t>Fifth level</a:t>
+            </a:r>
+          </a:p>
+        </p:txBody>
+      </p:sp>
+      <p:sp>
+        <p:nvSpPr>
+          <p:cNvPr id="6" name="Footer Placeholder 5"/>
+          <p:cNvSpPr>
+            <a:spLocks noGrp="1"/>
+          </p:cNvSpPr>
+          <p:nvPr>
+            <p:ph type="ftr" sz="quarter" idx="4"/>
+          </p:nvPr>
+        </p:nvSpPr>
+        <p:spPr>
+          <a:xfrm>
+            <a:off x="0" y="8685213"/>
+            <a:ext cx="2971800" cy="458787"/>
+          </a:xfrm>
+          <a:prstGeom prst="rect">
+            <a:avLst/>
+          </a:prstGeom>
+        </p:spPr>
+        <p:txBody>
+          <a:bodyPr vert="horz" lIns="91440" tIns="45720" rIns="91440" bIns="45720" rtlCol="0" anchor="b"/>
+          <a:lstStyle>
+            <a:lvl1pPr algn="l">
+              <a:defRPr sz="1200"/>
+            </a:lvl1pPr>
+          </a:lstStyle>
+          <a:p>
+            <a:endParaRPr lang="en-US"/>
+          </a:p>
+        </p:txBody>
+      </p:sp>
+      <p:sp>
+        <p:nvSpPr>
+          <p:cNvPr id="7" name="Slide Number Placeholder 6"/>
+          <p:cNvSpPr>
+            <a:spLocks noGrp="1"/>
+          </p:cNvSpPr>
+          <p:nvPr>
+            <p:ph type="sldNum" sz="quarter" idx="5"/>
+          </p:nvPr>
+        </p:nvSpPr>
+        <p:spPr>
+          <a:xfrm>
+            <a:off x="3884613" y="8685213"/>
+            <a:ext cx="2971800" cy="458787"/>
+          </a:xfrm>
+          <a:prstGeom prst="rect">
+            <a:avLst/>
+          </a:prstGeom>
+        </p:spPr>
+        <p:txBody>
+          <a:bodyPr vert="horz" lIns="91440" tIns="45720" rIns="91440" bIns="45720" rtlCol="0" anchor="b"/>
+          <a:lstStyle>
+            <a:lvl1pPr algn="r">
+              <a:defRPr sz="1200"/>
+            </a:lvl1pPr>
+          </a:lstStyle>
+          <a:p>
+            <a:fld id="{ECCAE2B7-94E0-45E3-89A6-8F46B27F0260}" type="slidenum">
+              <a:rPr lang="en-US" smtClean="0"/>
+              <a:t>‹#›</a:t>
+            </a:fld>
+            <a:endParaRPr lang="en-US"/>
+          </a:p>
+        </p:txBody>
+      </p:sp>
+    </p:spTree>
+    <p:extLst>
+      <p:ext uri="{BB962C8B-B14F-4D97-AF65-F5344CB8AC3E}">
+        <p14:creationId xmlns:p14="http://schemas.microsoft.com/office/powerpoint/2010/main" val="4175859598"/>
+      </p:ext>
+    </p:extLst>
+  </p:cSld>
+  <p:clrMap bg1="lt1" tx1="dk1" bg2="lt2" tx2="dk2" accent1="accent1" accent2="accent2" accent3="accent3" accent4="accent4" accent5="accent5" accent6="accent6" hlink="hlink" folHlink="folHlink"/>
+  <p:notesStyle>
+    <a:lvl1pPr marL="0" algn="l" defTabSz="914400" rtl="0" eaLnBrk="1" latinLnBrk="0" hangingPunct="1">
+      <a:defRPr sz="1200" kern="1200">
+        <a:solidFill>
+          <a:schemeClr val="tx1"/>
+        </a:solidFill>
+        <a:latin typeface="+mn-lt"/>
+        <a:ea typeface="+mn-ea"/>
+        <a:cs typeface="+mn-cs"/>
+      </a:defRPr>
+    </a:lvl1pPr>
+    <a:lvl2pPr marL="457200" algn="l" defTabSz="914400" rtl="0" eaLnBrk="1" latinLnBrk="0" hangingPunct="1">
+      <a:defRPr sz="1200" kern="1200">
+        <a:solidFill>
+          <a:schemeClr val="tx1"/>
+        </a:solidFill>
+        <a:latin typeface="+mn-lt"/>
+        <a:ea typeface="+mn-ea"/>
+        <a:cs typeface="+mn-cs"/>
+      </a:defRPr>
+    </a:lvl2pPr>
+    <a:lvl3pPr marL="914400" algn="l" defTabSz="914400" rtl="0" eaLnBrk="1" latinLnBrk="0" hangingPunct="1">
+      <a:defRPr sz="1200" kern="1200">
+        <a:solidFill>
+          <a:schemeClr val="tx1"/>
+        </a:solidFill>
+        <a:latin typeface="+mn-lt"/>
+        <a:ea typeface="+mn-ea"/>
+        <a:cs typeface="+mn-cs"/>
+      </a:defRPr>
+    </a:lvl3pPr>
+    <a:lvl4pPr marL="1371600" algn="l" defTabSz="914400" rtl="0" eaLnBrk="1" latinLnBrk="0" hangingPunct="1">
+      <a:defRPr sz="1200" kern="1200">
+        <a:solidFill>
+          <a:schemeClr val="tx1"/>
+        </a:solidFill>
+        <a:latin typeface="+mn-lt"/>
+        <a:ea typeface="+mn-ea"/>
+        <a:cs typeface="+mn-cs"/>
+      </a:defRPr>
+    </a:lvl4pPr>
+    <a:lvl5pPr marL="1828800" algn="l" defTabSz="914400" rtl="0" eaLnBrk="1" latinLnBrk="0" hangingPunct="1">
+      <a:defRPr sz="1200" kern="1200">
+        <a:solidFill>
+          <a:schemeClr val="tx1"/>
+        </a:solidFill>
+        <a:latin typeface="+mn-lt"/>
+        <a:ea typeface="+mn-ea"/>
+        <a:cs typeface="+mn-cs"/>
+      </a:defRPr>
+    </a:lvl5pPr>
+    <a:lvl6pPr marL="2286000" algn="l" defTabSz="914400" rtl="0" eaLnBrk="1" latinLnBrk="0" hangingPunct="1">
+      <a:defRPr sz="1200" kern="1200">
+        <a:solidFill>
+          <a:schemeClr val="tx1"/>
+        </a:solidFill>
+        <a:latin typeface="+mn-lt"/>
+        <a:ea typeface="+mn-ea"/>
+        <a:cs typeface="+mn-cs"/>
+      </a:defRPr>
+    </a:lvl6pPr>
+    <a:lvl7pPr marL="2743200" algn="l" defTabSz="914400" rtl="0" eaLnBrk="1" latinLnBrk="0" hangingPunct="1">
+      <a:defRPr sz="1200" kern="1200">
+        <a:solidFill>
+          <a:schemeClr val="tx1"/>
+        </a:solidFill>
+        <a:latin typeface="+mn-lt"/>
+        <a:ea typeface="+mn-ea"/>
+        <a:cs typeface="+mn-cs"/>
+      </a:defRPr>
+    </a:lvl7pPr>
+    <a:lvl8pPr marL="3200400" algn="l" defTabSz="914400" rtl="0" eaLnBrk="1" latinLnBrk="0" hangingPunct="1">
+      <a:defRPr sz="1200" kern="1200">
+        <a:solidFill>
+          <a:schemeClr val="tx1"/>
+        </a:solidFill>
+        <a:latin typeface="+mn-lt"/>
+        <a:ea typeface="+mn-ea"/>
+        <a:cs typeface="+mn-cs"/>
+      </a:defRPr>
+    </a:lvl8pPr>
+    <a:lvl9pPr marL="3657600" algn="l" defTabSz="914400" rtl="0" eaLnBrk="1" latinLnBrk="0" hangingPunct="1">
+      <a:defRPr sz="1200" kern="1200">
+        <a:solidFill>
+          <a:schemeClr val="tx1"/>
+        </a:solidFill>
+        <a:latin typeface="+mn-lt"/>
+        <a:ea typeface="+mn-ea"/>
+        <a:cs typeface="+mn-cs"/>
+      </a:defRPr>
+    </a:lvl9pPr>
+  </p:notesStyle>
+</p:notesMaster>
+</file>
+
+<file path=ppt/notesSlides/notesSlide1.xml><?xml version="1.0" encoding="utf-8"?>
+<p:notes xmlns:a="http://schemas.openxmlformats.org/drawingml/2006/main" xmlns:r="http://schemas.openxmlformats.org/officeDocument/2006/relationships" xmlns:p="http://schemas.openxmlformats.org/presentationml/2006/main">
+  <p:cSld>
+    <p:spTree>
+      <p:nvGrpSpPr>
+        <p:cNvPr id="1" name=""/>
+        <p:cNvGrpSpPr/>
+        <p:nvPr/>
+      </p:nvGrpSpPr>
+      <p:grpSpPr>
+        <a:xfrm>
+          <a:off x="0" y="0"/>
+          <a:ext cx="0" cy="0"/>
+          <a:chOff x="0" y="0"/>
+          <a:chExt cx="0" cy="0"/>
+        </a:xfrm>
+      </p:grpSpPr>
+      <p:sp>
+        <p:nvSpPr>
+          <p:cNvPr id="2" name="Slide Image Placeholder 1"/>
+          <p:cNvSpPr>
+            <a:spLocks noGrp="1" noRot="1" noChangeAspect="1"/>
+          </p:cNvSpPr>
+          <p:nvPr>
+            <p:ph type="sldImg"/>
+          </p:nvPr>
+        </p:nvSpPr>
+        <p:spPr/>
+      </p:sp>
+      <p:sp>
+        <p:nvSpPr>
+          <p:cNvPr id="3" name="Notes Placeholder 2"/>
+          <p:cNvSpPr>
+            <a:spLocks noGrp="1"/>
+          </p:cNvSpPr>
+          <p:nvPr>
+            <p:ph type="body" idx="1"/>
+          </p:nvPr>
+        </p:nvSpPr>
+        <p:spPr/>
+        <p:txBody>
+          <a:bodyPr/>
+          <a:lstStyle/>
+          <a:p>
+            <a:endParaRPr lang="en-US" dirty="0"/>
+          </a:p>
+        </p:txBody>
+      </p:sp>
+      <p:sp>
+        <p:nvSpPr>
+          <p:cNvPr id="4" name="Slide Number Placeholder 3"/>
+          <p:cNvSpPr>
+            <a:spLocks noGrp="1"/>
+          </p:cNvSpPr>
+          <p:nvPr>
+            <p:ph type="sldNum" sz="quarter" idx="5"/>
+          </p:nvPr>
+        </p:nvSpPr>
+        <p:spPr/>
+        <p:txBody>
+          <a:bodyPr/>
+          <a:lstStyle/>
+          <a:p>
+            <a:fld id="{ECCAE2B7-94E0-45E3-89A6-8F46B27F0260}" type="slidenum">
+              <a:rPr lang="en-US" smtClean="0"/>
+              <a:t>1</a:t>
+            </a:fld>
+            <a:endParaRPr lang="en-US"/>
+          </a:p>
+        </p:txBody>
+      </p:sp>
+    </p:spTree>
+    <p:extLst>
+      <p:ext uri="{BB962C8B-B14F-4D97-AF65-F5344CB8AC3E}">
+        <p14:creationId xmlns:p14="http://schemas.microsoft.com/office/powerpoint/2010/main" val="219451043"/>
+      </p:ext>
+    </p:extLst>
+  </p:cSld>
+  <p:clrMapOvr>
+    <a:masterClrMapping/>
+  </p:clrMapOvr>
+</p:notes>
+</file>
+
+<file path=ppt/notesSlides/notesSlide2.xml><?xml version="1.0" encoding="utf-8"?>
+<p:notes xmlns:a="http://schemas.openxmlformats.org/drawingml/2006/main" xmlns:r="http://schemas.openxmlformats.org/officeDocument/2006/relationships" xmlns:p="http://schemas.openxmlformats.org/presentationml/2006/main">
+  <p:cSld>
+    <p:spTree>
+      <p:nvGrpSpPr>
+        <p:cNvPr id="1" name=""/>
+        <p:cNvGrpSpPr/>
+        <p:nvPr/>
+      </p:nvGrpSpPr>
+      <p:grpSpPr>
+        <a:xfrm>
+          <a:off x="0" y="0"/>
+          <a:ext cx="0" cy="0"/>
+          <a:chOff x="0" y="0"/>
+          <a:chExt cx="0" cy="0"/>
+        </a:xfrm>
+      </p:grpSpPr>
+      <p:sp>
+        <p:nvSpPr>
+          <p:cNvPr id="2" name="Slide Image Placeholder 1"/>
+          <p:cNvSpPr>
+            <a:spLocks noGrp="1" noRot="1" noChangeAspect="1"/>
+          </p:cNvSpPr>
+          <p:nvPr>
+            <p:ph type="sldImg"/>
+          </p:nvPr>
+        </p:nvSpPr>
+        <p:spPr/>
+      </p:sp>
+      <p:sp>
+        <p:nvSpPr>
+          <p:cNvPr id="3" name="Notes Placeholder 2"/>
+          <p:cNvSpPr>
+            <a:spLocks noGrp="1"/>
+          </p:cNvSpPr>
+          <p:nvPr>
+            <p:ph type="body" idx="1"/>
+          </p:nvPr>
+        </p:nvSpPr>
+        <p:spPr/>
+        <p:txBody>
+          <a:bodyPr/>
+          <a:lstStyle/>
+          <a:p>
+            <a:r>
+              <a:rPr lang="de-DE" dirty="0"/>
+              <a:t>Uses Set Cameras to see Infrared LEDs on the headset, the headset and controllers will be able to be tracked by the position and shapes of the led dots</a:t>
+            </a:r>
+          </a:p>
+        </p:txBody>
+      </p:sp>
+      <p:sp>
+        <p:nvSpPr>
+          <p:cNvPr id="4" name="Slide Number Placeholder 3"/>
+          <p:cNvSpPr>
+            <a:spLocks noGrp="1"/>
+          </p:cNvSpPr>
+          <p:nvPr>
+            <p:ph type="sldNum" sz="quarter" idx="5"/>
+          </p:nvPr>
+        </p:nvSpPr>
+        <p:spPr/>
+        <p:txBody>
+          <a:bodyPr/>
+          <a:lstStyle/>
+          <a:p>
+            <a:fld id="{ECCAE2B7-94E0-45E3-89A6-8F46B27F0260}" type="slidenum">
+              <a:rPr lang="en-US" smtClean="0"/>
+              <a:t>7</a:t>
+            </a:fld>
+            <a:endParaRPr lang="en-US"/>
+          </a:p>
+        </p:txBody>
+      </p:sp>
+    </p:spTree>
+    <p:extLst>
+      <p:ext uri="{BB962C8B-B14F-4D97-AF65-F5344CB8AC3E}">
+        <p14:creationId xmlns:p14="http://schemas.microsoft.com/office/powerpoint/2010/main" val="3928410854"/>
+      </p:ext>
+    </p:extLst>
+  </p:cSld>
+  <p:clrMapOvr>
+    <a:masterClrMapping/>
+  </p:clrMapOvr>
+</p:notes>
+</file>
+
+<file path=ppt/notesSlides/notesSlide3.xml><?xml version="1.0" encoding="utf-8"?>
+<p:notes xmlns:a="http://schemas.openxmlformats.org/drawingml/2006/main" xmlns:r="http://schemas.openxmlformats.org/officeDocument/2006/relationships" xmlns:p="http://schemas.openxmlformats.org/presentationml/2006/main">
+  <p:cSld>
+    <p:spTree>
+      <p:nvGrpSpPr>
+        <p:cNvPr id="1" name=""/>
+        <p:cNvGrpSpPr/>
+        <p:nvPr/>
+      </p:nvGrpSpPr>
+      <p:grpSpPr>
+        <a:xfrm>
+          <a:off x="0" y="0"/>
+          <a:ext cx="0" cy="0"/>
+          <a:chOff x="0" y="0"/>
+          <a:chExt cx="0" cy="0"/>
+        </a:xfrm>
+      </p:grpSpPr>
+      <p:sp>
+        <p:nvSpPr>
+          <p:cNvPr id="2" name="Slide Image Placeholder 1"/>
+          <p:cNvSpPr>
+            <a:spLocks noGrp="1" noRot="1" noChangeAspect="1"/>
+          </p:cNvSpPr>
+          <p:nvPr>
+            <p:ph type="sldImg"/>
+          </p:nvPr>
+        </p:nvSpPr>
+        <p:spPr/>
+      </p:sp>
+      <p:sp>
+        <p:nvSpPr>
+          <p:cNvPr id="3" name="Notes Placeholder 2"/>
+          <p:cNvSpPr>
+            <a:spLocks noGrp="1"/>
+          </p:cNvSpPr>
+          <p:nvPr>
+            <p:ph type="body" idx="1"/>
+          </p:nvPr>
+        </p:nvSpPr>
+        <p:spPr/>
+        <p:txBody>
+          <a:bodyPr/>
+          <a:lstStyle/>
+          <a:p>
+            <a:r>
+              <a:rPr lang="de-DE" dirty="0"/>
+              <a:t>Other then the rift the cameras are on the headset and sees where the base stations and controllers are reletive to itself</a:t>
+            </a:r>
+            <a:endParaRPr lang="en-US" dirty="0"/>
+          </a:p>
+        </p:txBody>
+      </p:sp>
+      <p:sp>
+        <p:nvSpPr>
+          <p:cNvPr id="4" name="Slide Number Placeholder 3"/>
+          <p:cNvSpPr>
+            <a:spLocks noGrp="1"/>
+          </p:cNvSpPr>
+          <p:nvPr>
+            <p:ph type="sldNum" sz="quarter" idx="5"/>
+          </p:nvPr>
+        </p:nvSpPr>
+        <p:spPr/>
+        <p:txBody>
+          <a:bodyPr/>
+          <a:lstStyle/>
+          <a:p>
+            <a:fld id="{ECCAE2B7-94E0-45E3-89A6-8F46B27F0260}" type="slidenum">
+              <a:rPr lang="en-US" smtClean="0"/>
+              <a:t>8</a:t>
+            </a:fld>
+            <a:endParaRPr lang="en-US"/>
+          </a:p>
+        </p:txBody>
+      </p:sp>
+    </p:spTree>
+    <p:extLst>
+      <p:ext uri="{BB962C8B-B14F-4D97-AF65-F5344CB8AC3E}">
+        <p14:creationId xmlns:p14="http://schemas.microsoft.com/office/powerpoint/2010/main" val="457629849"/>
+      </p:ext>
+    </p:extLst>
+  </p:cSld>
+  <p:clrMapOvr>
+    <a:masterClrMapping/>
+  </p:clrMapOvr>
+</p:notes>
+</file>
+
+<file path=ppt/notesSlides/notesSlide4.xml><?xml version="1.0" encoding="utf-8"?>
+<p:notes xmlns:a="http://schemas.openxmlformats.org/drawingml/2006/main" xmlns:r="http://schemas.openxmlformats.org/officeDocument/2006/relationships" xmlns:p="http://schemas.openxmlformats.org/presentationml/2006/main">
+  <p:cSld>
+    <p:spTree>
+      <p:nvGrpSpPr>
+        <p:cNvPr id="1" name=""/>
+        <p:cNvGrpSpPr/>
+        <p:nvPr/>
+      </p:nvGrpSpPr>
+      <p:grpSpPr>
+        <a:xfrm>
+          <a:off x="0" y="0"/>
+          <a:ext cx="0" cy="0"/>
+          <a:chOff x="0" y="0"/>
+          <a:chExt cx="0" cy="0"/>
+        </a:xfrm>
+      </p:grpSpPr>
+      <p:sp>
+        <p:nvSpPr>
+          <p:cNvPr id="2" name="Slide Image Placeholder 1"/>
+          <p:cNvSpPr>
+            <a:spLocks noGrp="1" noRot="1" noChangeAspect="1"/>
+          </p:cNvSpPr>
+          <p:nvPr>
+            <p:ph type="sldImg"/>
+          </p:nvPr>
+        </p:nvSpPr>
+        <p:spPr/>
+      </p:sp>
+      <p:sp>
+        <p:nvSpPr>
+          <p:cNvPr id="3" name="Notes Placeholder 2"/>
+          <p:cNvSpPr>
+            <a:spLocks noGrp="1"/>
+          </p:cNvSpPr>
+          <p:nvPr>
+            <p:ph type="body" idx="1"/>
+          </p:nvPr>
+        </p:nvSpPr>
+        <p:spPr/>
+        <p:txBody>
+          <a:bodyPr/>
+          <a:lstStyle/>
+          <a:p>
+            <a:r>
+              <a:rPr lang="de-DE" dirty="0"/>
+              <a:t>Same system to the vive </a:t>
+            </a:r>
+          </a:p>
+        </p:txBody>
+      </p:sp>
+      <p:sp>
+        <p:nvSpPr>
+          <p:cNvPr id="4" name="Slide Number Placeholder 3"/>
+          <p:cNvSpPr>
+            <a:spLocks noGrp="1"/>
+          </p:cNvSpPr>
+          <p:nvPr>
+            <p:ph type="sldNum" sz="quarter" idx="5"/>
+          </p:nvPr>
+        </p:nvSpPr>
+        <p:spPr/>
+        <p:txBody>
+          <a:bodyPr/>
+          <a:lstStyle/>
+          <a:p>
+            <a:fld id="{ECCAE2B7-94E0-45E3-89A6-8F46B27F0260}" type="slidenum">
+              <a:rPr lang="en-US" smtClean="0"/>
+              <a:t>9</a:t>
+            </a:fld>
+            <a:endParaRPr lang="en-US"/>
+          </a:p>
+        </p:txBody>
+      </p:sp>
+    </p:spTree>
+    <p:extLst>
+      <p:ext uri="{BB962C8B-B14F-4D97-AF65-F5344CB8AC3E}">
+        <p14:creationId xmlns:p14="http://schemas.microsoft.com/office/powerpoint/2010/main" val="3951107858"/>
+      </p:ext>
+    </p:extLst>
+  </p:cSld>
+  <p:clrMapOvr>
+    <a:masterClrMapping/>
+  </p:clrMapOvr>
+</p:notes>
+</file>
+
+<file path=ppt/notesSlides/notesSlide5.xml><?xml version="1.0" encoding="utf-8"?>
+<p:notes xmlns:a="http://schemas.openxmlformats.org/drawingml/2006/main" xmlns:r="http://schemas.openxmlformats.org/officeDocument/2006/relationships" xmlns:p="http://schemas.openxmlformats.org/presentationml/2006/main">
+  <p:cSld>
+    <p:spTree>
+      <p:nvGrpSpPr>
+        <p:cNvPr id="1" name=""/>
+        <p:cNvGrpSpPr/>
+        <p:nvPr/>
+      </p:nvGrpSpPr>
+      <p:grpSpPr>
+        <a:xfrm>
+          <a:off x="0" y="0"/>
+          <a:ext cx="0" cy="0"/>
+          <a:chOff x="0" y="0"/>
+          <a:chExt cx="0" cy="0"/>
+        </a:xfrm>
+      </p:grpSpPr>
+      <p:sp>
+        <p:nvSpPr>
+          <p:cNvPr id="2" name="Slide Image Placeholder 1"/>
+          <p:cNvSpPr>
+            <a:spLocks noGrp="1" noRot="1" noChangeAspect="1"/>
+          </p:cNvSpPr>
+          <p:nvPr>
+            <p:ph type="sldImg"/>
+          </p:nvPr>
+        </p:nvSpPr>
+        <p:spPr/>
+      </p:sp>
+      <p:sp>
+        <p:nvSpPr>
+          <p:cNvPr id="3" name="Notes Placeholder 2"/>
+          <p:cNvSpPr>
+            <a:spLocks noGrp="1"/>
+          </p:cNvSpPr>
+          <p:nvPr>
+            <p:ph type="body" idx="1"/>
+          </p:nvPr>
+        </p:nvSpPr>
+        <p:spPr/>
+        <p:txBody>
+          <a:bodyPr/>
+          <a:lstStyle/>
+          <a:p>
+            <a:r>
+              <a:rPr lang="de-DE" dirty="0"/>
+              <a:t>Uses cameras to see the enviorment to generat an image of the room and position itself in it using AI and seeing the controllers same as the Valve and Vive</a:t>
+            </a:r>
+            <a:endParaRPr lang="en-US" dirty="0"/>
+          </a:p>
+        </p:txBody>
+      </p:sp>
+      <p:sp>
+        <p:nvSpPr>
+          <p:cNvPr id="4" name="Slide Number Placeholder 3"/>
+          <p:cNvSpPr>
+            <a:spLocks noGrp="1"/>
+          </p:cNvSpPr>
+          <p:nvPr>
+            <p:ph type="sldNum" sz="quarter" idx="5"/>
+          </p:nvPr>
+        </p:nvSpPr>
+        <p:spPr/>
+        <p:txBody>
+          <a:bodyPr/>
+          <a:lstStyle/>
+          <a:p>
+            <a:fld id="{ECCAE2B7-94E0-45E3-89A6-8F46B27F0260}" type="slidenum">
+              <a:rPr lang="en-US" smtClean="0"/>
+              <a:t>10</a:t>
+            </a:fld>
+            <a:endParaRPr lang="en-US"/>
+          </a:p>
+        </p:txBody>
+      </p:sp>
+    </p:spTree>
+    <p:extLst>
+      <p:ext uri="{BB962C8B-B14F-4D97-AF65-F5344CB8AC3E}">
+        <p14:creationId xmlns:p14="http://schemas.microsoft.com/office/powerpoint/2010/main" val="3596421532"/>
+      </p:ext>
+    </p:extLst>
+  </p:cSld>
+  <p:clrMapOvr>
+    <a:masterClrMapping/>
+  </p:clrMapOvr>
+</p:notes>
+</file>
+
 <file path=ppt/slideLayouts/slideLayout1.xml><?xml version="1.0" encoding="utf-8"?>
 <p:sldLayout xmlns:a="http://schemas.openxmlformats.org/drawingml/2006/main" xmlns:r="http://schemas.openxmlformats.org/officeDocument/2006/relationships" xmlns:p="http://schemas.openxmlformats.org/presentationml/2006/main" type="title" preserve="1">
   <p:cSld name="Title Slide">
@@ -349,7 +1141,7 @@
             <a:fld id="{3A98EE3D-8CD1-4C3F-BD1C-C98C9596463C}" type="slidenum">
               <a:rPr lang="en-US" smtClean="0"/>
               <a:pPr/>
-              <a:t>‹Nr.›</a:t>
+              <a:t>‹#›</a:t>
             </a:fld>
             <a:endParaRPr lang="en-US" dirty="0"/>
           </a:p>
@@ -653,7 +1445,7 @@
           <a:p>
             <a:fld id="{3A98EE3D-8CD1-4C3F-BD1C-C98C9596463C}" type="slidenum">
               <a:rPr lang="en-US" smtClean="0"/>
-              <a:t>‹Nr.›</a:t>
+              <a:t>‹#›</a:t>
             </a:fld>
             <a:endParaRPr lang="en-US" dirty="0"/>
           </a:p>
@@ -847,7 +1639,7 @@
           <a:p>
             <a:fld id="{3A98EE3D-8CD1-4C3F-BD1C-C98C9596463C}" type="slidenum">
               <a:rPr lang="en-US" smtClean="0"/>
-              <a:t>‹Nr.›</a:t>
+              <a:t>‹#›</a:t>
             </a:fld>
             <a:endParaRPr lang="en-US" dirty="0"/>
           </a:p>
@@ -1110,7 +1902,7 @@
           <a:p>
             <a:fld id="{3A98EE3D-8CD1-4C3F-BD1C-C98C9596463C}" type="slidenum">
               <a:rPr lang="en-US" smtClean="0"/>
-              <a:t>‹Nr.›</a:t>
+              <a:t>‹#›</a:t>
             </a:fld>
             <a:endParaRPr lang="en-US" dirty="0"/>
           </a:p>
@@ -1546,7 +2338,7 @@
           <a:p>
             <a:fld id="{3A98EE3D-8CD1-4C3F-BD1C-C98C9596463C}" type="slidenum">
               <a:rPr lang="en-US" smtClean="0"/>
-              <a:t>‹Nr.›</a:t>
+              <a:t>‹#›</a:t>
             </a:fld>
             <a:endParaRPr lang="en-US" dirty="0"/>
           </a:p>
@@ -2083,7 +2875,7 @@
           <a:p>
             <a:fld id="{3A98EE3D-8CD1-4C3F-BD1C-C98C9596463C}" type="slidenum">
               <a:rPr lang="en-US" smtClean="0"/>
-              <a:t>‹Nr.›</a:t>
+              <a:t>‹#›</a:t>
             </a:fld>
             <a:endParaRPr lang="en-US" dirty="0"/>
           </a:p>
@@ -2965,7 +3757,7 @@
           <a:p>
             <a:fld id="{3A98EE3D-8CD1-4C3F-BD1C-C98C9596463C}" type="slidenum">
               <a:rPr lang="en-US" smtClean="0"/>
-              <a:t>‹Nr.›</a:t>
+              <a:t>‹#›</a:t>
             </a:fld>
             <a:endParaRPr lang="en-US" dirty="0"/>
           </a:p>
@@ -3135,7 +3927,7 @@
           <a:p>
             <a:fld id="{3A98EE3D-8CD1-4C3F-BD1C-C98C9596463C}" type="slidenum">
               <a:rPr lang="en-US" smtClean="0"/>
-              <a:t>‹Nr.›</a:t>
+              <a:t>‹#›</a:t>
             </a:fld>
             <a:endParaRPr lang="en-US" dirty="0"/>
           </a:p>
@@ -3319,7 +4111,7 @@
           <a:p>
             <a:fld id="{3A98EE3D-8CD1-4C3F-BD1C-C98C9596463C}" type="slidenum">
               <a:rPr lang="en-US" smtClean="0"/>
-              <a:t>‹Nr.›</a:t>
+              <a:t>‹#›</a:t>
             </a:fld>
             <a:endParaRPr lang="en-US" dirty="0"/>
           </a:p>
@@ -3489,7 +4281,7 @@
           <a:p>
             <a:fld id="{3A98EE3D-8CD1-4C3F-BD1C-C98C9596463C}" type="slidenum">
               <a:rPr lang="en-US" smtClean="0"/>
-              <a:t>‹Nr.›</a:t>
+              <a:t>‹#›</a:t>
             </a:fld>
             <a:endParaRPr lang="en-US" dirty="0"/>
           </a:p>
@@ -3734,7 +4526,7 @@
             <a:fld id="{3A98EE3D-8CD1-4C3F-BD1C-C98C9596463C}" type="slidenum">
               <a:rPr lang="en-US" smtClean="0"/>
               <a:pPr/>
-              <a:t>‹Nr.›</a:t>
+              <a:t>‹#›</a:t>
             </a:fld>
             <a:endParaRPr lang="en-US" dirty="0"/>
           </a:p>
@@ -3975,7 +4767,7 @@
           <a:p>
             <a:fld id="{3A98EE3D-8CD1-4C3F-BD1C-C98C9596463C}" type="slidenum">
               <a:rPr lang="en-US" smtClean="0"/>
-              <a:t>‹Nr.›</a:t>
+              <a:t>‹#›</a:t>
             </a:fld>
             <a:endParaRPr lang="en-US" dirty="0"/>
           </a:p>
@@ -4456,7 +5248,7 @@
           <a:p>
             <a:fld id="{3A98EE3D-8CD1-4C3F-BD1C-C98C9596463C}" type="slidenum">
               <a:rPr lang="en-US" smtClean="0"/>
-              <a:t>‹Nr.›</a:t>
+              <a:t>‹#›</a:t>
             </a:fld>
             <a:endParaRPr lang="en-US" dirty="0"/>
           </a:p>
@@ -4574,7 +5366,7 @@
           <a:p>
             <a:fld id="{3A98EE3D-8CD1-4C3F-BD1C-C98C9596463C}" type="slidenum">
               <a:rPr lang="en-US" smtClean="0"/>
-              <a:t>‹Nr.›</a:t>
+              <a:t>‹#›</a:t>
             </a:fld>
             <a:endParaRPr lang="en-US" dirty="0"/>
           </a:p>
@@ -4669,7 +5461,7 @@
           <a:p>
             <a:fld id="{3A98EE3D-8CD1-4C3F-BD1C-C98C9596463C}" type="slidenum">
               <a:rPr lang="en-US" smtClean="0"/>
-              <a:t>‹Nr.›</a:t>
+              <a:t>‹#›</a:t>
             </a:fld>
             <a:endParaRPr lang="en-US" dirty="0"/>
           </a:p>
@@ -4925,7 +5717,7 @@
             <a:fld id="{3A98EE3D-8CD1-4C3F-BD1C-C98C9596463C}" type="slidenum">
               <a:rPr lang="en-US" smtClean="0"/>
               <a:pPr/>
-              <a:t>‹Nr.›</a:t>
+              <a:t>‹#›</a:t>
             </a:fld>
             <a:endParaRPr lang="en-US" dirty="0"/>
           </a:p>
@@ -5232,7 +6024,7 @@
           <a:p>
             <a:fld id="{3A98EE3D-8CD1-4C3F-BD1C-C98C9596463C}" type="slidenum">
               <a:rPr lang="en-US" smtClean="0"/>
-              <a:t>‹Nr.›</a:t>
+              <a:t>‹#›</a:t>
             </a:fld>
             <a:endParaRPr lang="en-US" dirty="0"/>
           </a:p>
@@ -5516,7 +6308,7 @@
           <a:p>
             <a:fld id="{3A98EE3D-8CD1-4C3F-BD1C-C98C9596463C}" type="slidenum">
               <a:rPr lang="en-US" smtClean="0"/>
-              <a:t>‹Nr.›</a:t>
+              <a:t>‹#›</a:t>
             </a:fld>
             <a:endParaRPr lang="en-US" dirty="0"/>
           </a:p>
@@ -6106,7 +6898,7 @@
     <p:bg>
       <p:bgPr>
         <a:blipFill rotWithShape="1">
-          <a:blip r:embed="rId2">
+          <a:blip r:embed="rId3">
             <a:duotone>
               <a:schemeClr val="bg1">
                 <a:shade val="80000"/>
@@ -6292,7 +7084,7 @@
           </p:nvPr>
         </p:nvPicPr>
         <p:blipFill rotWithShape="1">
-          <a:blip r:embed="rId3">
+          <a:blip r:embed="rId4">
             <a:extLst>
               <a:ext uri="{28A0092B-C50C-407E-A947-70E740481C1C}">
                 <a14:useLocalDpi xmlns:a14="http://schemas.microsoft.com/office/drawing/2010/main" val="0"/>
@@ -6327,7 +7119,7 @@
           <p:nvPr/>
         </p:nvPicPr>
         <p:blipFill rotWithShape="1">
-          <a:blip r:embed="rId4"/>
+          <a:blip r:embed="rId5"/>
           <a:srcRect t="22199" r="-1" b="25967"/>
           <a:stretch/>
         </p:blipFill>
@@ -6357,6 +7149,25 @@
 <file path=ppt/slides/slide10.xml><?xml version="1.0" encoding="utf-8"?>
 <p:sld xmlns:a="http://schemas.openxmlformats.org/drawingml/2006/main" xmlns:r="http://schemas.openxmlformats.org/officeDocument/2006/relationships" xmlns:p="http://schemas.openxmlformats.org/presentationml/2006/main">
   <p:cSld>
+    <p:bg>
+      <p:bgPr>
+        <a:blipFill rotWithShape="1">
+          <a:blip r:embed="rId3">
+            <a:duotone>
+              <a:schemeClr val="bg1">
+                <a:shade val="80000"/>
+                <a:lumMod val="80000"/>
+              </a:schemeClr>
+              <a:schemeClr val="bg1">
+                <a:tint val="98000"/>
+              </a:schemeClr>
+            </a:duotone>
+          </a:blip>
+          <a:stretch/>
+        </a:blipFill>
+        <a:effectLst/>
+      </p:bgPr>
+    </p:bg>
     <p:spTree>
       <p:nvGrpSpPr>
         <p:cNvPr id="1" name=""/>
@@ -6371,12 +7182,72 @@
           <a:chExt cx="0" cy="0"/>
         </a:xfrm>
       </p:grpSpPr>
+      <p:sp useBgFill="1">
+        <p:nvSpPr>
+          <p:cNvPr id="28" name="Rectangle 23">
+            <a:extLst>
+              <a:ext uri="{FF2B5EF4-FFF2-40B4-BE49-F238E27FC236}">
+                <a16:creationId xmlns:a16="http://schemas.microsoft.com/office/drawing/2014/main" id="{886D4A05-AFD9-4D13-98E7-B23E4C9D785A}"/>
+              </a:ext>
+              <a:ext uri="{C183D7F6-B498-43B3-948B-1728B52AA6E4}">
+                <adec:decorative xmlns:adec="http://schemas.microsoft.com/office/drawing/2017/decorative" val="1"/>
+              </a:ext>
+            </a:extLst>
+          </p:cNvPr>
+          <p:cNvSpPr>
+            <a:spLocks noGrp="1" noRot="1" noChangeAspect="1" noMove="1" noResize="1" noEditPoints="1" noAdjustHandles="1" noChangeArrowheads="1" noChangeShapeType="1" noTextEdit="1"/>
+          </p:cNvSpPr>
+          <p:nvPr>
+            <p:extLst>
+              <p:ext uri="{386F3935-93C4-4BCD-93E2-E3B085C9AB24}">
+                <p16:designElem xmlns:p16="http://schemas.microsoft.com/office/powerpoint/2015/main" val="1"/>
+              </p:ext>
+            </p:extLst>
+          </p:nvPr>
+        </p:nvSpPr>
+        <p:spPr>
+          <a:xfrm>
+            <a:off x="0" y="0"/>
+            <a:ext cx="12192000" cy="6858000"/>
+          </a:xfrm>
+          <a:prstGeom prst="rect">
+            <a:avLst/>
+          </a:prstGeom>
+          <a:ln>
+            <a:noFill/>
+          </a:ln>
+        </p:spPr>
+        <p:style>
+          <a:lnRef idx="2">
+            <a:schemeClr val="accent1">
+              <a:shade val="50000"/>
+            </a:schemeClr>
+          </a:lnRef>
+          <a:fillRef idx="1">
+            <a:schemeClr val="accent1"/>
+          </a:fillRef>
+          <a:effectRef idx="0">
+            <a:schemeClr val="accent1"/>
+          </a:effectRef>
+          <a:fontRef idx="minor">
+            <a:schemeClr val="lt1"/>
+          </a:fontRef>
+        </p:style>
+        <p:txBody>
+          <a:bodyPr rtlCol="0" anchor="ctr"/>
+          <a:lstStyle/>
+          <a:p>
+            <a:pPr algn="ctr"/>
+            <a:endParaRPr lang="en-US"/>
+          </a:p>
+        </p:txBody>
+      </p:sp>
       <p:sp>
         <p:nvSpPr>
           <p:cNvPr id="2" name="Titel 1">
             <a:extLst>
               <a:ext uri="{FF2B5EF4-FFF2-40B4-BE49-F238E27FC236}">
-                <a16:creationId xmlns:a16="http://schemas.microsoft.com/office/drawing/2014/main" id="{FD799C8D-935C-4C57-926B-B4A6B92B474F}"/>
+                <a16:creationId xmlns:a16="http://schemas.microsoft.com/office/drawing/2014/main" id="{11A2CA4A-5886-4D84-9097-C5C50EDCC114}"/>
               </a:ext>
             </a:extLst>
           </p:cNvPr>
@@ -6387,72 +7258,66 @@
             <p:ph type="title"/>
           </p:nvPr>
         </p:nvSpPr>
-        <p:spPr/>
-        <p:txBody>
-          <a:bodyPr>
-            <a:normAutofit fontScale="90000"/>
+        <p:spPr>
+          <a:xfrm>
+            <a:off x="1142093" y="5590261"/>
+            <a:ext cx="9440034" cy="1088336"/>
+          </a:xfrm>
+        </p:spPr>
+        <p:txBody>
+          <a:bodyPr vert="horz" lIns="91440" tIns="45720" rIns="91440" bIns="45720" rtlCol="0" anchor="b">
+            <a:normAutofit/>
           </a:bodyPr>
           <a:lstStyle/>
           <a:p>
             <a:r>
-              <a:rPr lang="de-DE" dirty="0"/>
-              <a:t>Technology</a:t>
-            </a:r>
-            <a:br>
-              <a:rPr lang="de-DE" dirty="0"/>
-            </a:br>
-            <a:r>
-              <a:rPr lang="de-DE" dirty="0"/>
-              <a:t>Different </a:t>
-            </a:r>
-            <a:r>
-              <a:rPr lang="de-DE" dirty="0" err="1"/>
-              <a:t>tracking</a:t>
-            </a:r>
-            <a:r>
-              <a:rPr lang="de-DE" dirty="0"/>
-              <a:t> </a:t>
-            </a:r>
-            <a:r>
-              <a:rPr lang="de-DE" dirty="0" err="1"/>
-              <a:t>solutions</a:t>
-            </a:r>
-            <a:endParaRPr lang="en-US" dirty="0"/>
-          </a:p>
-        </p:txBody>
-      </p:sp>
-      <p:sp>
-        <p:nvSpPr>
-          <p:cNvPr id="3" name="Inhaltsplatzhalter 2">
+              <a:rPr lang="en-US" sz="6600" dirty="0"/>
+              <a:t>Oculus Quest &amp; Quest 2</a:t>
+            </a:r>
+          </a:p>
+        </p:txBody>
+      </p:sp>
+      <p:pic>
+        <p:nvPicPr>
+          <p:cNvPr id="5" name="Inhaltsplatzhalter 4" descr="Ein Bild, das Tisch, drinnen, Schreibtisch enthält.&#10;&#10;Automatisch generierte Beschreibung">
             <a:extLst>
               <a:ext uri="{FF2B5EF4-FFF2-40B4-BE49-F238E27FC236}">
-                <a16:creationId xmlns:a16="http://schemas.microsoft.com/office/drawing/2014/main" id="{3537EB60-2AE0-4B7A-80EE-C43CA35E11AC}"/>
+                <a16:creationId xmlns:a16="http://schemas.microsoft.com/office/drawing/2014/main" id="{1D2B8EF3-75E7-4B34-9C4F-25FB9983D848}"/>
               </a:ext>
             </a:extLst>
           </p:cNvPr>
-          <p:cNvSpPr>
-            <a:spLocks noGrp="1"/>
-          </p:cNvSpPr>
+          <p:cNvPicPr>
+            <a:picLocks noGrp="1" noChangeAspect="1"/>
+          </p:cNvPicPr>
           <p:nvPr>
             <p:ph idx="1"/>
           </p:nvPr>
-        </p:nvSpPr>
-        <p:spPr/>
-        <p:txBody>
-          <a:bodyPr/>
-          <a:lstStyle/>
-          <a:p>
-            <a:pPr marL="36900" indent="0">
-              <a:buNone/>
-            </a:pPr>
-            <a:endParaRPr lang="en-US" dirty="0"/>
-          </a:p>
-        </p:txBody>
-      </p:sp>
+        </p:nvPicPr>
+        <p:blipFill rotWithShape="1">
+          <a:blip r:embed="rId4">
+            <a:extLst>
+              <a:ext uri="{28A0092B-C50C-407E-A947-70E740481C1C}">
+                <a14:useLocalDpi xmlns:a14="http://schemas.microsoft.com/office/drawing/2010/main" val="0"/>
+              </a:ext>
+            </a:extLst>
+          </a:blip>
+          <a:srcRect t="13097" b="2633"/>
+          <a:stretch/>
+        </p:blipFill>
+        <p:spPr>
+          <a:xfrm>
+            <a:off x="1142093" y="0"/>
+            <a:ext cx="9619260" cy="5410858"/>
+          </a:xfrm>
+          <a:prstGeom prst="rect">
+            <a:avLst/>
+          </a:prstGeom>
+        </p:spPr>
+      </p:pic>
     </p:spTree>
     <p:extLst>
       <p:ext uri="{BB962C8B-B14F-4D97-AF65-F5344CB8AC3E}">
-        <p14:creationId xmlns:p14="http://schemas.microsoft.com/office/powerpoint/2010/main" val="1998537559"/>
+        <p14:creationId xmlns:p14="http://schemas.microsoft.com/office/powerpoint/2010/main" val="1174666286"/>
       </p:ext>
     </p:extLst>
   </p:cSld>
@@ -7564,10 +8429,134 @@
 <file path=ppt/slides/slide6.xml><?xml version="1.0" encoding="utf-8"?>
 <p:sld xmlns:a="http://schemas.openxmlformats.org/drawingml/2006/main" xmlns:r="http://schemas.openxmlformats.org/officeDocument/2006/relationships" xmlns:p="http://schemas.openxmlformats.org/presentationml/2006/main">
   <p:cSld>
+    <p:spTree>
+      <p:nvGrpSpPr>
+        <p:cNvPr id="1" name=""/>
+        <p:cNvGrpSpPr/>
+        <p:nvPr/>
+      </p:nvGrpSpPr>
+      <p:grpSpPr>
+        <a:xfrm>
+          <a:off x="0" y="0"/>
+          <a:ext cx="0" cy="0"/>
+          <a:chOff x="0" y="0"/>
+          <a:chExt cx="0" cy="0"/>
+        </a:xfrm>
+      </p:grpSpPr>
+      <p:sp>
+        <p:nvSpPr>
+          <p:cNvPr id="2" name="Titel 1">
+            <a:extLst>
+              <a:ext uri="{FF2B5EF4-FFF2-40B4-BE49-F238E27FC236}">
+                <a16:creationId xmlns:a16="http://schemas.microsoft.com/office/drawing/2014/main" id="{FD799C8D-935C-4C57-926B-B4A6B92B474F}"/>
+              </a:ext>
+            </a:extLst>
+          </p:cNvPr>
+          <p:cNvSpPr>
+            <a:spLocks noGrp="1"/>
+          </p:cNvSpPr>
+          <p:nvPr>
+            <p:ph type="title"/>
+          </p:nvPr>
+        </p:nvSpPr>
+        <p:spPr/>
+        <p:txBody>
+          <a:bodyPr>
+            <a:normAutofit fontScale="90000"/>
+          </a:bodyPr>
+          <a:lstStyle/>
+          <a:p>
+            <a:r>
+              <a:rPr lang="de-DE" dirty="0"/>
+              <a:t>Technology</a:t>
+            </a:r>
+            <a:br>
+              <a:rPr lang="de-DE" dirty="0"/>
+            </a:br>
+            <a:r>
+              <a:rPr lang="de-DE" dirty="0"/>
+              <a:t>Different </a:t>
+            </a:r>
+            <a:r>
+              <a:rPr lang="de-DE" dirty="0" err="1"/>
+              <a:t>tracking</a:t>
+            </a:r>
+            <a:r>
+              <a:rPr lang="de-DE" dirty="0"/>
+              <a:t> </a:t>
+            </a:r>
+            <a:r>
+              <a:rPr lang="de-DE" dirty="0" err="1"/>
+              <a:t>solutions</a:t>
+            </a:r>
+            <a:endParaRPr lang="en-US" dirty="0"/>
+          </a:p>
+        </p:txBody>
+      </p:sp>
+      <p:sp>
+        <p:nvSpPr>
+          <p:cNvPr id="3" name="Inhaltsplatzhalter 2">
+            <a:extLst>
+              <a:ext uri="{FF2B5EF4-FFF2-40B4-BE49-F238E27FC236}">
+                <a16:creationId xmlns:a16="http://schemas.microsoft.com/office/drawing/2014/main" id="{3537EB60-2AE0-4B7A-80EE-C43CA35E11AC}"/>
+              </a:ext>
+            </a:extLst>
+          </p:cNvPr>
+          <p:cNvSpPr>
+            <a:spLocks noGrp="1"/>
+          </p:cNvSpPr>
+          <p:nvPr>
+            <p:ph idx="1"/>
+          </p:nvPr>
+        </p:nvSpPr>
+        <p:spPr/>
+        <p:txBody>
+          <a:bodyPr/>
+          <a:lstStyle/>
+          <a:p>
+            <a:r>
+              <a:rPr lang="de-DE" dirty="0"/>
+              <a:t>Oculus CV1; Constellation Tracking</a:t>
+            </a:r>
+          </a:p>
+          <a:p>
+            <a:r>
+              <a:rPr lang="en-US" dirty="0" err="1"/>
+              <a:t>Vive</a:t>
+            </a:r>
+            <a:r>
+              <a:rPr lang="en-US" dirty="0"/>
+              <a:t>, Valve; Lighthouse Tracking</a:t>
+            </a:r>
+          </a:p>
+          <a:p>
+            <a:r>
+              <a:rPr lang="en-US" dirty="0"/>
+              <a:t>Oculus Quest1-2; Oculus Insight</a:t>
+            </a:r>
+          </a:p>
+        </p:txBody>
+      </p:sp>
+    </p:spTree>
+    <p:extLst>
+      <p:ext uri="{BB962C8B-B14F-4D97-AF65-F5344CB8AC3E}">
+        <p14:creationId xmlns:p14="http://schemas.microsoft.com/office/powerpoint/2010/main" val="1998537559"/>
+      </p:ext>
+    </p:extLst>
+  </p:cSld>
+  <p:clrMapOvr>
+    <a:masterClrMapping/>
+  </p:clrMapOvr>
+</p:sld>
+</file>
+
+<file path=ppt/slides/slide7.xml><?xml version="1.0" encoding="utf-8"?>
+<p:sld xmlns:a="http://schemas.openxmlformats.org/drawingml/2006/main" xmlns:r="http://schemas.openxmlformats.org/officeDocument/2006/relationships" xmlns:p="http://schemas.openxmlformats.org/presentationml/2006/main">
+  <p:cSld>
     <p:bg>
       <p:bgPr>
         <a:blipFill rotWithShape="1">
-          <a:blip r:embed="rId2">
+          <a:blip r:embed="rId3">
             <a:duotone>
               <a:schemeClr val="bg1">
                 <a:shade val="80000"/>
@@ -7710,7 +8699,7 @@
           </p:nvPr>
         </p:nvPicPr>
         <p:blipFill rotWithShape="1">
-          <a:blip r:embed="rId3">
+          <a:blip r:embed="rId4">
             <a:extLst>
               <a:ext uri="{28A0092B-C50C-407E-A947-70E740481C1C}">
                 <a14:useLocalDpi xmlns:a14="http://schemas.microsoft.com/office/drawing/2010/main" val="0"/>
@@ -7743,13 +8732,13 @@
 </p:sld>
 </file>
 
-<file path=ppt/slides/slide7.xml><?xml version="1.0" encoding="utf-8"?>
+<file path=ppt/slides/slide8.xml><?xml version="1.0" encoding="utf-8"?>
 <p:sld xmlns:a="http://schemas.openxmlformats.org/drawingml/2006/main" xmlns:r="http://schemas.openxmlformats.org/officeDocument/2006/relationships" xmlns:p="http://schemas.openxmlformats.org/presentationml/2006/main">
   <p:cSld>
     <p:bg>
       <p:bgPr>
         <a:blipFill rotWithShape="1">
-          <a:blip r:embed="rId2">
+          <a:blip r:embed="rId3">
             <a:duotone>
               <a:schemeClr val="bg1">
                 <a:shade val="80000"/>
@@ -7960,7 +8949,7 @@
           </p:nvPr>
         </p:nvPicPr>
         <p:blipFill>
-          <a:blip r:embed="rId3">
+          <a:blip r:embed="rId4">
             <a:extLst>
               <a:ext uri="{28A0092B-C50C-407E-A947-70E740481C1C}">
                 <a14:useLocalDpi xmlns:a14="http://schemas.microsoft.com/office/drawing/2010/main" val="0"/>
@@ -7994,13 +8983,13 @@
 </p:sld>
 </file>
 
-<file path=ppt/slides/slide8.xml><?xml version="1.0" encoding="utf-8"?>
+<file path=ppt/slides/slide9.xml><?xml version="1.0" encoding="utf-8"?>
 <p:sld xmlns:a="http://schemas.openxmlformats.org/drawingml/2006/main" xmlns:r="http://schemas.openxmlformats.org/officeDocument/2006/relationships" xmlns:p="http://schemas.openxmlformats.org/presentationml/2006/main">
   <p:cSld>
     <p:bg>
       <p:bgPr>
         <a:blipFill rotWithShape="1">
-          <a:blip r:embed="rId2">
+          <a:blip r:embed="rId3">
             <a:duotone>
               <a:schemeClr val="bg1">
                 <a:shade val="80000"/>
@@ -8149,7 +9138,7 @@
           </p:nvPr>
         </p:nvPicPr>
         <p:blipFill rotWithShape="1">
-          <a:blip r:embed="rId3">
+          <a:blip r:embed="rId4">
             <a:extLst>
               <a:ext uri="{28A0092B-C50C-407E-A947-70E740481C1C}">
                 <a14:useLocalDpi xmlns:a14="http://schemas.microsoft.com/office/drawing/2010/main" val="0"/>
@@ -8186,7 +9175,7 @@
           </p:nvPr>
         </p:nvPicPr>
         <p:blipFill rotWithShape="1">
-          <a:blip r:embed="rId4">
+          <a:blip r:embed="rId5">
             <a:extLst>
               <a:ext uri="{28A0092B-C50C-407E-A947-70E740481C1C}">
                 <a14:useLocalDpi xmlns:a14="http://schemas.microsoft.com/office/drawing/2010/main" val="0"/>
@@ -8210,187 +9199,6 @@
     <p:extLst>
       <p:ext uri="{BB962C8B-B14F-4D97-AF65-F5344CB8AC3E}">
         <p14:creationId xmlns:p14="http://schemas.microsoft.com/office/powerpoint/2010/main" val="1625810198"/>
-      </p:ext>
-    </p:extLst>
-  </p:cSld>
-  <p:clrMapOvr>
-    <a:masterClrMapping/>
-  </p:clrMapOvr>
-</p:sld>
-</file>
-
-<file path=ppt/slides/slide9.xml><?xml version="1.0" encoding="utf-8"?>
-<p:sld xmlns:a="http://schemas.openxmlformats.org/drawingml/2006/main" xmlns:r="http://schemas.openxmlformats.org/officeDocument/2006/relationships" xmlns:p="http://schemas.openxmlformats.org/presentationml/2006/main">
-  <p:cSld>
-    <p:bg>
-      <p:bgPr>
-        <a:blipFill rotWithShape="1">
-          <a:blip r:embed="rId2">
-            <a:duotone>
-              <a:schemeClr val="bg1">
-                <a:shade val="80000"/>
-                <a:lumMod val="80000"/>
-              </a:schemeClr>
-              <a:schemeClr val="bg1">
-                <a:tint val="98000"/>
-              </a:schemeClr>
-            </a:duotone>
-          </a:blip>
-          <a:stretch/>
-        </a:blipFill>
-        <a:effectLst/>
-      </p:bgPr>
-    </p:bg>
-    <p:spTree>
-      <p:nvGrpSpPr>
-        <p:cNvPr id="1" name=""/>
-        <p:cNvGrpSpPr/>
-        <p:nvPr/>
-      </p:nvGrpSpPr>
-      <p:grpSpPr>
-        <a:xfrm>
-          <a:off x="0" y="0"/>
-          <a:ext cx="0" cy="0"/>
-          <a:chOff x="0" y="0"/>
-          <a:chExt cx="0" cy="0"/>
-        </a:xfrm>
-      </p:grpSpPr>
-      <p:sp useBgFill="1">
-        <p:nvSpPr>
-          <p:cNvPr id="28" name="Rectangle 23">
-            <a:extLst>
-              <a:ext uri="{FF2B5EF4-FFF2-40B4-BE49-F238E27FC236}">
-                <a16:creationId xmlns:a16="http://schemas.microsoft.com/office/drawing/2014/main" id="{886D4A05-AFD9-4D13-98E7-B23E4C9D785A}"/>
-              </a:ext>
-              <a:ext uri="{C183D7F6-B498-43B3-948B-1728B52AA6E4}">
-                <adec:decorative xmlns:adec="http://schemas.microsoft.com/office/drawing/2017/decorative" val="1"/>
-              </a:ext>
-            </a:extLst>
-          </p:cNvPr>
-          <p:cNvSpPr>
-            <a:spLocks noGrp="1" noRot="1" noChangeAspect="1" noMove="1" noResize="1" noEditPoints="1" noAdjustHandles="1" noChangeArrowheads="1" noChangeShapeType="1" noTextEdit="1"/>
-          </p:cNvSpPr>
-          <p:nvPr>
-            <p:extLst>
-              <p:ext uri="{386F3935-93C4-4BCD-93E2-E3B085C9AB24}">
-                <p16:designElem xmlns:p16="http://schemas.microsoft.com/office/powerpoint/2015/main" val="1"/>
-              </p:ext>
-            </p:extLst>
-          </p:nvPr>
-        </p:nvSpPr>
-        <p:spPr>
-          <a:xfrm>
-            <a:off x="0" y="0"/>
-            <a:ext cx="12192000" cy="6858000"/>
-          </a:xfrm>
-          <a:prstGeom prst="rect">
-            <a:avLst/>
-          </a:prstGeom>
-          <a:ln>
-            <a:noFill/>
-          </a:ln>
-        </p:spPr>
-        <p:style>
-          <a:lnRef idx="2">
-            <a:schemeClr val="accent1">
-              <a:shade val="50000"/>
-            </a:schemeClr>
-          </a:lnRef>
-          <a:fillRef idx="1">
-            <a:schemeClr val="accent1"/>
-          </a:fillRef>
-          <a:effectRef idx="0">
-            <a:schemeClr val="accent1"/>
-          </a:effectRef>
-          <a:fontRef idx="minor">
-            <a:schemeClr val="lt1"/>
-          </a:fontRef>
-        </p:style>
-        <p:txBody>
-          <a:bodyPr rtlCol="0" anchor="ctr"/>
-          <a:lstStyle/>
-          <a:p>
-            <a:pPr algn="ctr"/>
-            <a:endParaRPr lang="en-US"/>
-          </a:p>
-        </p:txBody>
-      </p:sp>
-      <p:sp>
-        <p:nvSpPr>
-          <p:cNvPr id="2" name="Titel 1">
-            <a:extLst>
-              <a:ext uri="{FF2B5EF4-FFF2-40B4-BE49-F238E27FC236}">
-                <a16:creationId xmlns:a16="http://schemas.microsoft.com/office/drawing/2014/main" id="{11A2CA4A-5886-4D84-9097-C5C50EDCC114}"/>
-              </a:ext>
-            </a:extLst>
-          </p:cNvPr>
-          <p:cNvSpPr>
-            <a:spLocks noGrp="1"/>
-          </p:cNvSpPr>
-          <p:nvPr>
-            <p:ph type="title"/>
-          </p:nvPr>
-        </p:nvSpPr>
-        <p:spPr>
-          <a:xfrm>
-            <a:off x="1142093" y="5590261"/>
-            <a:ext cx="9440034" cy="1088336"/>
-          </a:xfrm>
-        </p:spPr>
-        <p:txBody>
-          <a:bodyPr vert="horz" lIns="91440" tIns="45720" rIns="91440" bIns="45720" rtlCol="0" anchor="b">
-            <a:normAutofit/>
-          </a:bodyPr>
-          <a:lstStyle/>
-          <a:p>
-            <a:r>
-              <a:rPr lang="en-US" sz="6600" dirty="0"/>
-              <a:t>Oculus Quest &amp; Quest 2</a:t>
-            </a:r>
-          </a:p>
-        </p:txBody>
-      </p:sp>
-      <p:pic>
-        <p:nvPicPr>
-          <p:cNvPr id="5" name="Inhaltsplatzhalter 4" descr="Ein Bild, das Tisch, drinnen, Schreibtisch enthält.&#10;&#10;Automatisch generierte Beschreibung">
-            <a:extLst>
-              <a:ext uri="{FF2B5EF4-FFF2-40B4-BE49-F238E27FC236}">
-                <a16:creationId xmlns:a16="http://schemas.microsoft.com/office/drawing/2014/main" id="{1D2B8EF3-75E7-4B34-9C4F-25FB9983D848}"/>
-              </a:ext>
-            </a:extLst>
-          </p:cNvPr>
-          <p:cNvPicPr>
-            <a:picLocks noGrp="1" noChangeAspect="1"/>
-          </p:cNvPicPr>
-          <p:nvPr>
-            <p:ph idx="1"/>
-          </p:nvPr>
-        </p:nvPicPr>
-        <p:blipFill rotWithShape="1">
-          <a:blip r:embed="rId3">
-            <a:extLst>
-              <a:ext uri="{28A0092B-C50C-407E-A947-70E740481C1C}">
-                <a14:useLocalDpi xmlns:a14="http://schemas.microsoft.com/office/drawing/2010/main" val="0"/>
-              </a:ext>
-            </a:extLst>
-          </a:blip>
-          <a:srcRect t="13097" b="2633"/>
-          <a:stretch/>
-        </p:blipFill>
-        <p:spPr>
-          <a:xfrm>
-            <a:off x="1142093" y="0"/>
-            <a:ext cx="9619260" cy="5410858"/>
-          </a:xfrm>
-          <a:prstGeom prst="rect">
-            <a:avLst/>
-          </a:prstGeom>
-        </p:spPr>
-      </p:pic>
-    </p:spTree>
-    <p:extLst>
-      <p:ext uri="{BB962C8B-B14F-4D97-AF65-F5344CB8AC3E}">
-        <p14:creationId xmlns:p14="http://schemas.microsoft.com/office/powerpoint/2010/main" val="1174666286"/>
       </p:ext>
     </p:extLst>
   </p:cSld>
@@ -8640,4 +9448,299 @@
     </a:ext>
   </a:extLst>
 </a:theme>
+</file>
+
+<file path=ppt/theme/theme2.xml><?xml version="1.0" encoding="utf-8"?>
+<a:theme xmlns:a="http://schemas.openxmlformats.org/drawingml/2006/main" name="Office Theme">
+  <a:themeElements>
+    <a:clrScheme name="Office">
+      <a:dk1>
+        <a:sysClr val="windowText" lastClr="000000"/>
+      </a:dk1>
+      <a:lt1>
+        <a:sysClr val="window" lastClr="FFFFFF"/>
+      </a:lt1>
+      <a:dk2>
+        <a:srgbClr val="44546A"/>
+      </a:dk2>
+      <a:lt2>
+        <a:srgbClr val="E7E6E6"/>
+      </a:lt2>
+      <a:accent1>
+        <a:srgbClr val="4472C4"/>
+      </a:accent1>
+      <a:accent2>
+        <a:srgbClr val="ED7D31"/>
+      </a:accent2>
+      <a:accent3>
+        <a:srgbClr val="A5A5A5"/>
+      </a:accent3>
+      <a:accent4>
+        <a:srgbClr val="FFC000"/>
+      </a:accent4>
+      <a:accent5>
+        <a:srgbClr val="5B9BD5"/>
+      </a:accent5>
+      <a:accent6>
+        <a:srgbClr val="70AD47"/>
+      </a:accent6>
+      <a:hlink>
+        <a:srgbClr val="0563C1"/>
+      </a:hlink>
+      <a:folHlink>
+        <a:srgbClr val="954F72"/>
+      </a:folHlink>
+    </a:clrScheme>
+    <a:fontScheme name="Office">
+      <a:majorFont>
+        <a:latin typeface="Calibri Light" panose="020F0302020204030204"/>
+        <a:ea typeface=""/>
+        <a:cs typeface=""/>
+        <a:font script="Jpan" typeface="游ゴシック Light"/>
+        <a:font script="Hang" typeface="맑은 고딕"/>
+        <a:font script="Hans" typeface="等线 Light"/>
+        <a:font script="Hant" typeface="新細明體"/>
+        <a:font script="Arab" typeface="Times New Roman"/>
+        <a:font script="Hebr" typeface="Times New Roman"/>
+        <a:font script="Thai" typeface="Angsana New"/>
+        <a:font script="Ethi" typeface="Nyala"/>
+        <a:font script="Beng" typeface="Vrinda"/>
+        <a:font script="Gujr" typeface="Shruti"/>
+        <a:font script="Khmr" typeface="MoolBoran"/>
+        <a:font script="Knda" typeface="Tunga"/>
+        <a:font script="Guru" typeface="Raavi"/>
+        <a:font script="Cans" typeface="Euphemia"/>
+        <a:font script="Cher" typeface="Plantagenet Cherokee"/>
+        <a:font script="Yiii" typeface="Microsoft Yi Baiti"/>
+        <a:font script="Tibt" typeface="Microsoft Himalaya"/>
+        <a:font script="Thaa" typeface="MV Boli"/>
+        <a:font script="Deva" typeface="Mangal"/>
+        <a:font script="Telu" typeface="Gautami"/>
+        <a:font script="Taml" typeface="Latha"/>
+        <a:font script="Syrc" typeface="Estrangelo Edessa"/>
+        <a:font script="Orya" typeface="Kalinga"/>
+        <a:font script="Mlym" typeface="Kartika"/>
+        <a:font script="Laoo" typeface="DokChampa"/>
+        <a:font script="Sinh" typeface="Iskoola Pota"/>
+        <a:font script="Mong" typeface="Mongolian Baiti"/>
+        <a:font script="Viet" typeface="Times New Roman"/>
+        <a:font script="Uigh" typeface="Microsoft Uighur"/>
+        <a:font script="Geor" typeface="Sylfaen"/>
+        <a:font script="Armn" typeface="Arial"/>
+        <a:font script="Bugi" typeface="Leelawadee UI"/>
+        <a:font script="Bopo" typeface="Microsoft JhengHei"/>
+        <a:font script="Java" typeface="Javanese Text"/>
+        <a:font script="Lisu" typeface="Segoe UI"/>
+        <a:font script="Mymr" typeface="Myanmar Text"/>
+        <a:font script="Nkoo" typeface="Ebrima"/>
+        <a:font script="Olck" typeface="Nirmala UI"/>
+        <a:font script="Osma" typeface="Ebrima"/>
+        <a:font script="Phag" typeface="Phagspa"/>
+        <a:font script="Syrn" typeface="Estrangelo Edessa"/>
+        <a:font script="Syrj" typeface="Estrangelo Edessa"/>
+        <a:font script="Syre" typeface="Estrangelo Edessa"/>
+        <a:font script="Sora" typeface="Nirmala UI"/>
+        <a:font script="Tale" typeface="Microsoft Tai Le"/>
+        <a:font script="Talu" typeface="Microsoft New Tai Lue"/>
+        <a:font script="Tfng" typeface="Ebrima"/>
+      </a:majorFont>
+      <a:minorFont>
+        <a:latin typeface="Calibri" panose="020F0502020204030204"/>
+        <a:ea typeface=""/>
+        <a:cs typeface=""/>
+        <a:font script="Jpan" typeface="游ゴシック"/>
+        <a:font script="Hang" typeface="맑은 고딕"/>
+        <a:font script="Hans" typeface="等线"/>
+        <a:font script="Hant" typeface="新細明體"/>
+        <a:font script="Arab" typeface="Arial"/>
+        <a:font script="Hebr" typeface="Arial"/>
+        <a:font script="Thai" typeface="Cordia New"/>
+        <a:font script="Ethi" typeface="Nyala"/>
+        <a:font script="Beng" typeface="Vrinda"/>
+        <a:font script="Gujr" typeface="Shruti"/>
+        <a:font script="Khmr" typeface="DaunPenh"/>
+        <a:font script="Knda" typeface="Tunga"/>
+        <a:font script="Guru" typeface="Raavi"/>
+        <a:font script="Cans" typeface="Euphemia"/>
+        <a:font script="Cher" typeface="Plantagenet Cherokee"/>
+        <a:font script="Yiii" typeface="Microsoft Yi Baiti"/>
+        <a:font script="Tibt" typeface="Microsoft Himalaya"/>
+        <a:font script="Thaa" typeface="MV Boli"/>
+        <a:font script="Deva" typeface="Mangal"/>
+        <a:font script="Telu" typeface="Gautami"/>
+        <a:font script="Taml" typeface="Latha"/>
+        <a:font script="Syrc" typeface="Estrangelo Edessa"/>
+        <a:font script="Orya" typeface="Kalinga"/>
+        <a:font script="Mlym" typeface="Kartika"/>
+        <a:font script="Laoo" typeface="DokChampa"/>
+        <a:font script="Sinh" typeface="Iskoola Pota"/>
+        <a:font script="Mong" typeface="Mongolian Baiti"/>
+        <a:font script="Viet" typeface="Arial"/>
+        <a:font script="Uigh" typeface="Microsoft Uighur"/>
+        <a:font script="Geor" typeface="Sylfaen"/>
+        <a:font script="Armn" typeface="Arial"/>
+        <a:font script="Bugi" typeface="Leelawadee UI"/>
+        <a:font script="Bopo" typeface="Microsoft JhengHei"/>
+        <a:font script="Java" typeface="Javanese Text"/>
+        <a:font script="Lisu" typeface="Segoe UI"/>
+        <a:font script="Mymr" typeface="Myanmar Text"/>
+        <a:font script="Nkoo" typeface="Ebrima"/>
+        <a:font script="Olck" typeface="Nirmala UI"/>
+        <a:font script="Osma" typeface="Ebrima"/>
+        <a:font script="Phag" typeface="Phagspa"/>
+        <a:font script="Syrn" typeface="Estrangelo Edessa"/>
+        <a:font script="Syrj" typeface="Estrangelo Edessa"/>
+        <a:font script="Syre" typeface="Estrangelo Edessa"/>
+        <a:font script="Sora" typeface="Nirmala UI"/>
+        <a:font script="Tale" typeface="Microsoft Tai Le"/>
+        <a:font script="Talu" typeface="Microsoft New Tai Lue"/>
+        <a:font script="Tfng" typeface="Ebrima"/>
+      </a:minorFont>
+    </a:fontScheme>
+    <a:fmtScheme name="Office">
+      <a:fillStyleLst>
+        <a:solidFill>
+          <a:schemeClr val="phClr"/>
+        </a:solidFill>
+        <a:gradFill rotWithShape="1">
+          <a:gsLst>
+            <a:gs pos="0">
+              <a:schemeClr val="phClr">
+                <a:lumMod val="110000"/>
+                <a:satMod val="105000"/>
+                <a:tint val="67000"/>
+              </a:schemeClr>
+            </a:gs>
+            <a:gs pos="50000">
+              <a:schemeClr val="phClr">
+                <a:lumMod val="105000"/>
+                <a:satMod val="103000"/>
+                <a:tint val="73000"/>
+              </a:schemeClr>
+            </a:gs>
+            <a:gs pos="100000">
+              <a:schemeClr val="phClr">
+                <a:lumMod val="105000"/>
+                <a:satMod val="109000"/>
+                <a:tint val="81000"/>
+              </a:schemeClr>
+            </a:gs>
+          </a:gsLst>
+          <a:lin ang="5400000" scaled="0"/>
+        </a:gradFill>
+        <a:gradFill rotWithShape="1">
+          <a:gsLst>
+            <a:gs pos="0">
+              <a:schemeClr val="phClr">
+                <a:satMod val="103000"/>
+                <a:lumMod val="102000"/>
+                <a:tint val="94000"/>
+              </a:schemeClr>
+            </a:gs>
+            <a:gs pos="50000">
+              <a:schemeClr val="phClr">
+                <a:satMod val="110000"/>
+                <a:lumMod val="100000"/>
+                <a:shade val="100000"/>
+              </a:schemeClr>
+            </a:gs>
+            <a:gs pos="100000">
+              <a:schemeClr val="phClr">
+                <a:lumMod val="99000"/>
+                <a:satMod val="120000"/>
+                <a:shade val="78000"/>
+              </a:schemeClr>
+            </a:gs>
+          </a:gsLst>
+          <a:lin ang="5400000" scaled="0"/>
+        </a:gradFill>
+      </a:fillStyleLst>
+      <a:lnStyleLst>
+        <a:ln w="6350" cap="flat" cmpd="sng" algn="ctr">
+          <a:solidFill>
+            <a:schemeClr val="phClr"/>
+          </a:solidFill>
+          <a:prstDash val="solid"/>
+          <a:miter lim="800000"/>
+        </a:ln>
+        <a:ln w="12700" cap="flat" cmpd="sng" algn="ctr">
+          <a:solidFill>
+            <a:schemeClr val="phClr"/>
+          </a:solidFill>
+          <a:prstDash val="solid"/>
+          <a:miter lim="800000"/>
+        </a:ln>
+        <a:ln w="19050" cap="flat" cmpd="sng" algn="ctr">
+          <a:solidFill>
+            <a:schemeClr val="phClr"/>
+          </a:solidFill>
+          <a:prstDash val="solid"/>
+          <a:miter lim="800000"/>
+        </a:ln>
+      </a:lnStyleLst>
+      <a:effectStyleLst>
+        <a:effectStyle>
+          <a:effectLst/>
+        </a:effectStyle>
+        <a:effectStyle>
+          <a:effectLst/>
+        </a:effectStyle>
+        <a:effectStyle>
+          <a:effectLst>
+            <a:outerShdw blurRad="57150" dist="19050" dir="5400000" algn="ctr" rotWithShape="0">
+              <a:srgbClr val="000000">
+                <a:alpha val="63000"/>
+              </a:srgbClr>
+            </a:outerShdw>
+          </a:effectLst>
+        </a:effectStyle>
+      </a:effectStyleLst>
+      <a:bgFillStyleLst>
+        <a:solidFill>
+          <a:schemeClr val="phClr"/>
+        </a:solidFill>
+        <a:solidFill>
+          <a:schemeClr val="phClr">
+            <a:tint val="95000"/>
+            <a:satMod val="170000"/>
+          </a:schemeClr>
+        </a:solidFill>
+        <a:gradFill rotWithShape="1">
+          <a:gsLst>
+            <a:gs pos="0">
+              <a:schemeClr val="phClr">
+                <a:tint val="93000"/>
+                <a:satMod val="150000"/>
+                <a:shade val="98000"/>
+                <a:lumMod val="102000"/>
+              </a:schemeClr>
+            </a:gs>
+            <a:gs pos="50000">
+              <a:schemeClr val="phClr">
+                <a:tint val="98000"/>
+                <a:satMod val="130000"/>
+                <a:shade val="90000"/>
+                <a:lumMod val="103000"/>
+              </a:schemeClr>
+            </a:gs>
+            <a:gs pos="100000">
+              <a:schemeClr val="phClr">
+                <a:shade val="63000"/>
+                <a:satMod val="120000"/>
+              </a:schemeClr>
+            </a:gs>
+          </a:gsLst>
+          <a:lin ang="5400000" scaled="0"/>
+        </a:gradFill>
+      </a:bgFillStyleLst>
+    </a:fmtScheme>
+  </a:themeElements>
+  <a:objectDefaults/>
+  <a:extraClrSchemeLst/>
+  <a:extLst>
+    <a:ext uri="{05A4C25C-085E-4340-85A3-A5531E510DB2}">
+      <thm15:themeFamily xmlns:thm15="http://schemas.microsoft.com/office/thememl/2012/main" name="Office Theme" id="{62F939B6-93AF-4DB8-9C6B-D6C7DFDC589F}" vid="{4A3C46E8-61CC-4603-A589-7422A47A8E4A}"/>
+    </a:ext>
+  </a:extLst>
+</a:theme>
 </file>
--- a/english/ppp/VR english ppp.pptx
+++ b/english/ppp/VR english ppp.pptx
@@ -5,7 +5,7 @@
     <p:sldMasterId id="2147483679" r:id="rId1"/>
   </p:sldMasterIdLst>
   <p:notesMasterIdLst>
-    <p:notesMasterId r:id="rId12"/>
+    <p:notesMasterId r:id="rId13"/>
   </p:notesMasterIdLst>
   <p:sldIdLst>
     <p:sldId id="256" r:id="rId2"/>
@@ -18,6 +18,7 @@
     <p:sldId id="262" r:id="rId9"/>
     <p:sldId id="263" r:id="rId10"/>
     <p:sldId id="264" r:id="rId11"/>
+    <p:sldId id="266" r:id="rId12"/>
   </p:sldIdLst>
   <p:sldSz cx="12192000" cy="6858000"/>
   <p:notesSz cx="6858000" cy="9144000"/>
@@ -212,7 +213,7 @@
           <a:p>
             <a:fld id="{905770C9-2DC9-4DC6-97ED-5A2CB44C7951}" type="datetimeFigureOut">
               <a:rPr lang="en-US" smtClean="0"/>
-              <a:t>2/3/2022</a:t>
+              <a:t>2/23/2022</a:t>
             </a:fld>
             <a:endParaRPr lang="en-US"/>
           </a:p>
@@ -1098,7 +1099,7 @@
           <a:p>
             <a:fld id="{88D38747-4367-4BD2-8D51-C97E202738E2}" type="datetime1">
               <a:rPr lang="en-US" smtClean="0"/>
-              <a:t>2/3/2022</a:t>
+              <a:t>2/23/2022</a:t>
             </a:fld>
             <a:endParaRPr lang="en-US" dirty="0"/>
           </a:p>
@@ -1403,7 +1404,7 @@
           <a:p>
             <a:fld id="{11F1B079-7EF0-44EE-B798-BCC497C9F3B2}" type="datetime1">
               <a:rPr lang="en-US" smtClean="0"/>
-              <a:t>2/3/2022</a:t>
+              <a:t>2/23/2022</a:t>
             </a:fld>
             <a:endParaRPr lang="en-US" dirty="0"/>
           </a:p>
@@ -1597,7 +1598,7 @@
           <a:p>
             <a:fld id="{28FF70A8-1D13-4657-95F0-A9EA54967B8D}" type="datetime1">
               <a:rPr lang="en-US" smtClean="0"/>
-              <a:t>2/3/2022</a:t>
+              <a:t>2/23/2022</a:t>
             </a:fld>
             <a:endParaRPr lang="en-US" dirty="0"/>
           </a:p>
@@ -1860,7 +1861,7 @@
           <a:p>
             <a:fld id="{21EB90AC-71BD-4C7F-8ACA-7B3F18292E63}" type="datetime1">
               <a:rPr lang="en-US" smtClean="0"/>
-              <a:t>2/3/2022</a:t>
+              <a:t>2/23/2022</a:t>
             </a:fld>
             <a:endParaRPr lang="en-US" dirty="0"/>
           </a:p>
@@ -2296,7 +2297,7 @@
           <a:p>
             <a:fld id="{4E6EFC2C-8905-46F0-B443-CE905B76BA01}" type="datetime1">
               <a:rPr lang="en-US" smtClean="0"/>
-              <a:t>2/3/2022</a:t>
+              <a:t>2/23/2022</a:t>
             </a:fld>
             <a:endParaRPr lang="en-US" dirty="0"/>
           </a:p>
@@ -2833,7 +2834,7 @@
           <a:p>
             <a:fld id="{D9079DC3-C9B5-499E-9140-0DC28B7074E2}" type="datetime1">
               <a:rPr lang="en-US" smtClean="0"/>
-              <a:t>2/3/2022</a:t>
+              <a:t>2/23/2022</a:t>
             </a:fld>
             <a:endParaRPr lang="en-US" dirty="0"/>
           </a:p>
@@ -3715,7 +3716,7 @@
           <a:p>
             <a:fld id="{30BB33EA-E472-4D22-9C03-A9C14AA21CED}" type="datetime1">
               <a:rPr lang="en-US" smtClean="0"/>
-              <a:t>2/3/2022</a:t>
+              <a:t>2/23/2022</a:t>
             </a:fld>
             <a:endParaRPr lang="en-US" dirty="0"/>
           </a:p>
@@ -3885,7 +3886,7 @@
           <a:p>
             <a:fld id="{217E833E-1B6D-415F-AD29-75AE8C43BD0D}" type="datetime1">
               <a:rPr lang="en-US" smtClean="0"/>
-              <a:t>2/3/2022</a:t>
+              <a:t>2/23/2022</a:t>
             </a:fld>
             <a:endParaRPr lang="en-US" dirty="0"/>
           </a:p>
@@ -4069,7 +4070,7 @@
           <a:p>
             <a:fld id="{8452596F-08A7-4B70-989A-F2B1CF31E66B}" type="datetime1">
               <a:rPr lang="en-US" smtClean="0"/>
-              <a:t>2/3/2022</a:t>
+              <a:t>2/23/2022</a:t>
             </a:fld>
             <a:endParaRPr lang="en-US" dirty="0"/>
           </a:p>
@@ -4239,7 +4240,7 @@
           <a:p>
             <a:fld id="{73C55A3C-5767-4844-A0A3-83778C2E5409}" type="datetime1">
               <a:rPr lang="en-US" smtClean="0"/>
-              <a:t>2/3/2022</a:t>
+              <a:t>2/23/2022</a:t>
             </a:fld>
             <a:endParaRPr lang="en-US" dirty="0"/>
           </a:p>
@@ -4483,7 +4484,7 @@
           <a:p>
             <a:fld id="{CAE507A8-A5CF-4D38-AB86-7EDDA87A85D4}" type="datetime1">
               <a:rPr lang="en-US" smtClean="0"/>
-              <a:t>2/3/2022</a:t>
+              <a:t>2/23/2022</a:t>
             </a:fld>
             <a:endParaRPr lang="en-US" dirty="0"/>
           </a:p>
@@ -4725,7 +4726,7 @@
           <a:p>
             <a:fld id="{BDFCD27C-8599-43EF-BA1D-14DDC1946E06}" type="datetime1">
               <a:rPr lang="en-US" smtClean="0"/>
-              <a:t>2/3/2022</a:t>
+              <a:t>2/23/2022</a:t>
             </a:fld>
             <a:endParaRPr lang="en-US" dirty="0"/>
           </a:p>
@@ -5206,7 +5207,7 @@
           <a:p>
             <a:fld id="{49343D99-809A-49C0-96E5-4250D0B498EE}" type="datetime1">
               <a:rPr lang="en-US" smtClean="0"/>
-              <a:t>2/3/2022</a:t>
+              <a:t>2/23/2022</a:t>
             </a:fld>
             <a:endParaRPr lang="en-US" dirty="0"/>
           </a:p>
@@ -5324,7 +5325,7 @@
           <a:p>
             <a:fld id="{A143DE9B-B678-4EFB-BB7D-A4370204A0B0}" type="datetime1">
               <a:rPr lang="en-US" smtClean="0"/>
-              <a:t>2/3/2022</a:t>
+              <a:t>2/23/2022</a:t>
             </a:fld>
             <a:endParaRPr lang="en-US" dirty="0"/>
           </a:p>
@@ -5419,7 +5420,7 @@
           <a:p>
             <a:fld id="{E68812DA-F765-4142-A6A3-A8ED7235E082}" type="datetime1">
               <a:rPr lang="en-US" smtClean="0"/>
-              <a:t>2/3/2022</a:t>
+              <a:t>2/23/2022</a:t>
             </a:fld>
             <a:endParaRPr lang="en-US" dirty="0"/>
           </a:p>
@@ -5674,7 +5675,7 @@
           <a:p>
             <a:fld id="{3E0277FD-7DE6-41D4-930D-AC99F5AFE54E}" type="datetime1">
               <a:rPr lang="en-US" smtClean="0"/>
-              <a:t>2/3/2022</a:t>
+              <a:t>2/23/2022</a:t>
             </a:fld>
             <a:endParaRPr lang="en-US" dirty="0"/>
           </a:p>
@@ -5981,7 +5982,7 @@
           <a:p>
             <a:fld id="{9EA15526-7079-4B7B-987C-1B5FAE11A0FF}" type="datetime1">
               <a:rPr lang="en-US" smtClean="0"/>
-              <a:t>2/3/2022</a:t>
+              <a:t>2/23/2022</a:t>
             </a:fld>
             <a:endParaRPr lang="en-US" dirty="0"/>
           </a:p>
@@ -6216,7 +6217,7 @@
           <a:p>
             <a:fld id="{073ED0CC-082F-4160-86E5-0D6041F12778}" type="datetime1">
               <a:rPr lang="en-US" smtClean="0"/>
-              <a:t>2/3/2022</a:t>
+              <a:t>2/23/2022</a:t>
             </a:fld>
             <a:endParaRPr lang="en-US" dirty="0"/>
           </a:p>
@@ -7327,6 +7328,172 @@
 </p:sld>
 </file>
 
+<file path=ppt/slides/slide11.xml><?xml version="1.0" encoding="utf-8"?>
+<p:sld xmlns:a="http://schemas.openxmlformats.org/drawingml/2006/main" xmlns:r="http://schemas.openxmlformats.org/officeDocument/2006/relationships" xmlns:p="http://schemas.openxmlformats.org/presentationml/2006/main">
+  <p:cSld>
+    <p:spTree>
+      <p:nvGrpSpPr>
+        <p:cNvPr id="1" name=""/>
+        <p:cNvGrpSpPr/>
+        <p:nvPr/>
+      </p:nvGrpSpPr>
+      <p:grpSpPr>
+        <a:xfrm>
+          <a:off x="0" y="0"/>
+          <a:ext cx="0" cy="0"/>
+          <a:chOff x="0" y="0"/>
+          <a:chExt cx="0" cy="0"/>
+        </a:xfrm>
+      </p:grpSpPr>
+      <p:sp>
+        <p:nvSpPr>
+          <p:cNvPr id="2" name="Title 1">
+            <a:extLst>
+              <a:ext uri="{FF2B5EF4-FFF2-40B4-BE49-F238E27FC236}">
+                <a16:creationId xmlns:a16="http://schemas.microsoft.com/office/drawing/2014/main" id="{51C26FB1-DB25-4071-95D0-C5B0F0C7A0D1}"/>
+              </a:ext>
+            </a:extLst>
+          </p:cNvPr>
+          <p:cNvSpPr>
+            <a:spLocks noGrp="1"/>
+          </p:cNvSpPr>
+          <p:nvPr>
+            <p:ph type="title"/>
+          </p:nvPr>
+        </p:nvSpPr>
+        <p:spPr/>
+        <p:txBody>
+          <a:bodyPr/>
+          <a:lstStyle/>
+          <a:p>
+            <a:r>
+              <a:rPr lang="de-DE" dirty="0"/>
+              <a:t>Sources</a:t>
+            </a:r>
+            <a:endParaRPr lang="en-US" dirty="0"/>
+          </a:p>
+        </p:txBody>
+      </p:sp>
+      <p:sp>
+        <p:nvSpPr>
+          <p:cNvPr id="3" name="Content Placeholder 2">
+            <a:extLst>
+              <a:ext uri="{FF2B5EF4-FFF2-40B4-BE49-F238E27FC236}">
+                <a16:creationId xmlns:a16="http://schemas.microsoft.com/office/drawing/2014/main" id="{C79C7D24-B612-46A4-A0A4-59BE02B803BD}"/>
+              </a:ext>
+            </a:extLst>
+          </p:cNvPr>
+          <p:cNvSpPr>
+            <a:spLocks noGrp="1"/>
+          </p:cNvSpPr>
+          <p:nvPr>
+            <p:ph idx="1"/>
+          </p:nvPr>
+        </p:nvSpPr>
+        <p:spPr>
+          <a:xfrm>
+            <a:off x="913795" y="1697071"/>
+            <a:ext cx="10353762" cy="4781550"/>
+          </a:xfrm>
+        </p:spPr>
+        <p:txBody>
+          <a:bodyPr>
+            <a:normAutofit lnSpcReduction="10000"/>
+          </a:bodyPr>
+          <a:lstStyle/>
+          <a:p>
+            <a:r>
+              <a:rPr lang="en-US" dirty="0">
+                <a:hlinkClick r:id="rId2"/>
+              </a:rPr>
+              <a:t>https://en.wikipedia.org/wiki/Virtual_reality</a:t>
+            </a:r>
+            <a:endParaRPr lang="en-US" dirty="0"/>
+          </a:p>
+          <a:p>
+            <a:r>
+              <a:rPr lang="en-US" dirty="0">
+                <a:hlinkClick r:id="rId3"/>
+              </a:rPr>
+              <a:t>https://en.wikipedia.org/wiki/Augmented_reality</a:t>
+            </a:r>
+            <a:endParaRPr lang="en-US" dirty="0"/>
+          </a:p>
+          <a:p>
+            <a:r>
+              <a:rPr lang="en-US" dirty="0">
+                <a:hlinkClick r:id="rId4"/>
+              </a:rPr>
+              <a:t>https://en.wikipedia.org/wiki/Mixed_reality</a:t>
+            </a:r>
+            <a:endParaRPr lang="en-US" dirty="0"/>
+          </a:p>
+          <a:p>
+            <a:r>
+              <a:rPr lang="en-US" dirty="0">
+                <a:hlinkClick r:id="rId5"/>
+              </a:rPr>
+              <a:t>https://xinreality.com/wiki/Lighthouse#:~:text=Lighthouse%20calculates%20When%20the%20photosensor,of%20the%20room%20is%20established</a:t>
+            </a:r>
+            <a:r>
+              <a:rPr lang="en-US" dirty="0"/>
+              <a:t>.</a:t>
+            </a:r>
+          </a:p>
+          <a:p>
+            <a:r>
+              <a:rPr lang="en-US" dirty="0">
+                <a:hlinkClick r:id="rId6"/>
+              </a:rPr>
+              <a:t>https://ai.facebook.com/blog/powered-by-ai-oculus-insight/#:~:text=Oculus%20Insight%20computes%20an%20accurate,to%20track%20the%20controller%20positions</a:t>
+            </a:r>
+            <a:r>
+              <a:rPr lang="en-US" dirty="0"/>
+              <a:t>.</a:t>
+            </a:r>
+          </a:p>
+          <a:p>
+            <a:r>
+              <a:rPr lang="en-US" dirty="0">
+                <a:hlinkClick r:id="rId7"/>
+              </a:rPr>
+              <a:t>https://en.wikipedia.org/wiki/Simultaneous_localization_and_mapping</a:t>
+            </a:r>
+            <a:endParaRPr lang="en-US" dirty="0"/>
+          </a:p>
+          <a:p>
+            <a:r>
+              <a:rPr lang="en-US" dirty="0">
+                <a:hlinkClick r:id="rId8"/>
+              </a:rPr>
+              <a:t>https://xinreality.com/wiki/Constellation</a:t>
+            </a:r>
+            <a:endParaRPr lang="en-US" dirty="0"/>
+          </a:p>
+          <a:p>
+            <a:endParaRPr lang="en-US" dirty="0"/>
+          </a:p>
+          <a:p>
+            <a:endParaRPr lang="en-US" dirty="0"/>
+          </a:p>
+          <a:p>
+            <a:endParaRPr lang="en-US" dirty="0"/>
+          </a:p>
+        </p:txBody>
+      </p:sp>
+    </p:spTree>
+    <p:extLst>
+      <p:ext uri="{BB962C8B-B14F-4D97-AF65-F5344CB8AC3E}">
+        <p14:creationId xmlns:p14="http://schemas.microsoft.com/office/powerpoint/2010/main" val="4044547770"/>
+      </p:ext>
+    </p:extLst>
+  </p:cSld>
+  <p:clrMapOvr>
+    <a:masterClrMapping/>
+  </p:clrMapOvr>
+</p:sld>
+</file>
+
 <file path=ppt/slides/slide2.xml><?xml version="1.0" encoding="utf-8"?>
 <p:sld xmlns:a="http://schemas.openxmlformats.org/drawingml/2006/main" xmlns:r="http://schemas.openxmlformats.org/officeDocument/2006/relationships" xmlns:p="http://schemas.openxmlformats.org/presentationml/2006/main">
   <p:cSld>
@@ -7756,6 +7923,16 @@
               <a:t> </a:t>
             </a:r>
             <a:r>
+              <a:rPr lang="en-US" dirty="0">
+                <a:solidFill>
+                  <a:schemeClr val="tx1"/>
+                </a:solidFill>
+                <a:effectLst/>
+                <a:latin typeface="Goudy Old Style" panose="02020502050305020303" pitchFamily="18" charset="0"/>
+              </a:rPr>
+              <a:t>T</a:t>
+            </a:r>
+            <a:r>
               <a:rPr lang="en-US" b="0" i="0" dirty="0">
                 <a:solidFill>
                   <a:schemeClr val="tx1"/>
@@ -7763,7 +7940,27 @@
                 <a:effectLst/>
                 <a:latin typeface="Goudy Old Style" panose="02020502050305020303" pitchFamily="18" charset="0"/>
               </a:rPr>
-              <a:t>Under the umbrella term “VR” also goes AR, XR, and Mixed Reality</a:t>
+              <a:t>he umbrella term “VR” also con</a:t>
+            </a:r>
+            <a:r>
+              <a:rPr lang="en-US" dirty="0">
+                <a:solidFill>
+                  <a:schemeClr val="tx1"/>
+                </a:solidFill>
+                <a:effectLst/>
+                <a:latin typeface="Goudy Old Style" panose="02020502050305020303" pitchFamily="18" charset="0"/>
+              </a:rPr>
+              <a:t>tains</a:t>
+            </a:r>
+            <a:r>
+              <a:rPr lang="en-US" b="0" i="0" dirty="0">
+                <a:solidFill>
+                  <a:schemeClr val="tx1"/>
+                </a:solidFill>
+                <a:effectLst/>
+                <a:latin typeface="Goudy Old Style" panose="02020502050305020303" pitchFamily="18" charset="0"/>
+              </a:rPr>
+              <a:t> AR, and Mixed Reality</a:t>
             </a:r>
             <a:endParaRPr lang="en-US" dirty="0"/>
           </a:p>
@@ -7844,9 +8041,16 @@
             <p:ph idx="1"/>
           </p:nvPr>
         </p:nvSpPr>
-        <p:spPr/>
-        <p:txBody>
-          <a:bodyPr/>
+        <p:spPr>
+          <a:xfrm>
+            <a:off x="913795" y="2076450"/>
+            <a:ext cx="10353762" cy="4334078"/>
+          </a:xfrm>
+        </p:spPr>
+        <p:txBody>
+          <a:bodyPr>
+            <a:normAutofit lnSpcReduction="10000"/>
+          </a:bodyPr>
           <a:lstStyle/>
           <a:p>
             <a:r>
@@ -7986,6 +8190,12 @@
             <a:r>
               <a:rPr lang="en-US" dirty="0"/>
               <a:t> VR and google cardboard</a:t>
+            </a:r>
+          </a:p>
+          <a:p>
+            <a:r>
+              <a:rPr lang="en-US" dirty="0"/>
+              <a:t>In 2019 The Value Index was announced, the same year the Oculus quest came to the market</a:t>
             </a:r>
           </a:p>
           <a:p>

--- a/english/ppp/VR english ppp.pptx
+++ b/english/ppp/VR english ppp.pptx
@@ -213,7 +213,7 @@
           <a:p>
             <a:fld id="{905770C9-2DC9-4DC6-97ED-5A2CB44C7951}" type="datetimeFigureOut">
               <a:rPr lang="en-US" smtClean="0"/>
-              <a:t>2/23/2022</a:t>
+              <a:t>2/24/2022</a:t>
             </a:fld>
             <a:endParaRPr lang="en-US"/>
           </a:p>
@@ -371,7 +371,7 @@
           <a:p>
             <a:fld id="{ECCAE2B7-94E0-45E3-89A6-8F46B27F0260}" type="slidenum">
               <a:rPr lang="en-US" smtClean="0"/>
-              <a:t>‹#›</a:t>
+              <a:t>‹Nr.›</a:t>
             </a:fld>
             <a:endParaRPr lang="en-US"/>
           </a:p>
@@ -583,7 +583,7 @@
       </p:grpSpPr>
       <p:sp>
         <p:nvSpPr>
-          <p:cNvPr id="2" name="Slide Image Placeholder 1"/>
+          <p:cNvPr id="2" name="Folienbildplatzhalter 1"/>
           <p:cNvSpPr>
             <a:spLocks noGrp="1" noRot="1" noChangeAspect="1"/>
           </p:cNvSpPr>
@@ -595,7 +595,7 @@
       </p:sp>
       <p:sp>
         <p:nvSpPr>
-          <p:cNvPr id="3" name="Notes Placeholder 2"/>
+          <p:cNvPr id="3" name="Notizenplatzhalter 2"/>
           <p:cNvSpPr>
             <a:spLocks noGrp="1"/>
           </p:cNvSpPr>
@@ -608,16 +608,13 @@
           <a:bodyPr/>
           <a:lstStyle/>
           <a:p>
-            <a:r>
-              <a:rPr lang="de-DE" dirty="0"/>
-              <a:t>Uses Set Cameras to see Infrared LEDs on the headset, the headset and controllers will be able to be tracked by the position and shapes of the led dots</a:t>
-            </a:r>
-          </a:p>
-        </p:txBody>
-      </p:sp>
-      <p:sp>
-        <p:nvSpPr>
-          <p:cNvPr id="4" name="Slide Number Placeholder 3"/>
+            <a:endParaRPr lang="en-US"/>
+          </a:p>
+        </p:txBody>
+      </p:sp>
+      <p:sp>
+        <p:nvSpPr>
+          <p:cNvPr id="4" name="Foliennummernplatzhalter 3"/>
           <p:cNvSpPr>
             <a:spLocks noGrp="1"/>
           </p:cNvSpPr>
@@ -632,7 +629,7 @@
           <a:p>
             <a:fld id="{ECCAE2B7-94E0-45E3-89A6-8F46B27F0260}" type="slidenum">
               <a:rPr lang="en-US" smtClean="0"/>
-              <a:t>7</a:t>
+              <a:t>6</a:t>
             </a:fld>
             <a:endParaRPr lang="en-US"/>
           </a:p>
@@ -641,7 +638,7 @@
     </p:spTree>
     <p:extLst>
       <p:ext uri="{BB962C8B-B14F-4D97-AF65-F5344CB8AC3E}">
-        <p14:creationId xmlns:p14="http://schemas.microsoft.com/office/powerpoint/2010/main" val="3928410854"/>
+        <p14:creationId xmlns:p14="http://schemas.microsoft.com/office/powerpoint/2010/main" val="2277264589"/>
       </p:ext>
     </p:extLst>
   </p:cSld>
@@ -697,9 +694,8 @@
           <a:p>
             <a:r>
               <a:rPr lang="de-DE" dirty="0"/>
-              <a:t>Other then the rift the cameras are on the headset and sees where the base stations and controllers are reletive to itself</a:t>
-            </a:r>
-            <a:endParaRPr lang="en-US" dirty="0"/>
+              <a:t>Uses Set Cameras to see Infrared LEDs on the headset, the headset and controllers will be able to be tracked by the position and shapes of the led dots</a:t>
+            </a:r>
           </a:p>
         </p:txBody>
       </p:sp>
@@ -720,7 +716,7 @@
           <a:p>
             <a:fld id="{ECCAE2B7-94E0-45E3-89A6-8F46B27F0260}" type="slidenum">
               <a:rPr lang="en-US" smtClean="0"/>
-              <a:t>8</a:t>
+              <a:t>7</a:t>
             </a:fld>
             <a:endParaRPr lang="en-US"/>
           </a:p>
@@ -729,7 +725,7 @@
     </p:spTree>
     <p:extLst>
       <p:ext uri="{BB962C8B-B14F-4D97-AF65-F5344CB8AC3E}">
-        <p14:creationId xmlns:p14="http://schemas.microsoft.com/office/powerpoint/2010/main" val="457629849"/>
+        <p14:creationId xmlns:p14="http://schemas.microsoft.com/office/powerpoint/2010/main" val="3928410854"/>
       </p:ext>
     </p:extLst>
   </p:cSld>
@@ -785,6 +781,94 @@
           <a:p>
             <a:r>
               <a:rPr lang="de-DE" dirty="0"/>
+              <a:t>Other then the rift the cameras are on the headset and sees where the base stations and controllers are reletive to itself</a:t>
+            </a:r>
+            <a:endParaRPr lang="en-US" dirty="0"/>
+          </a:p>
+        </p:txBody>
+      </p:sp>
+      <p:sp>
+        <p:nvSpPr>
+          <p:cNvPr id="4" name="Slide Number Placeholder 3"/>
+          <p:cNvSpPr>
+            <a:spLocks noGrp="1"/>
+          </p:cNvSpPr>
+          <p:nvPr>
+            <p:ph type="sldNum" sz="quarter" idx="5"/>
+          </p:nvPr>
+        </p:nvSpPr>
+        <p:spPr/>
+        <p:txBody>
+          <a:bodyPr/>
+          <a:lstStyle/>
+          <a:p>
+            <a:fld id="{ECCAE2B7-94E0-45E3-89A6-8F46B27F0260}" type="slidenum">
+              <a:rPr lang="en-US" smtClean="0"/>
+              <a:t>8</a:t>
+            </a:fld>
+            <a:endParaRPr lang="en-US"/>
+          </a:p>
+        </p:txBody>
+      </p:sp>
+    </p:spTree>
+    <p:extLst>
+      <p:ext uri="{BB962C8B-B14F-4D97-AF65-F5344CB8AC3E}">
+        <p14:creationId xmlns:p14="http://schemas.microsoft.com/office/powerpoint/2010/main" val="457629849"/>
+      </p:ext>
+    </p:extLst>
+  </p:cSld>
+  <p:clrMapOvr>
+    <a:masterClrMapping/>
+  </p:clrMapOvr>
+</p:notes>
+</file>
+
+<file path=ppt/notesSlides/notesSlide5.xml><?xml version="1.0" encoding="utf-8"?>
+<p:notes xmlns:a="http://schemas.openxmlformats.org/drawingml/2006/main" xmlns:r="http://schemas.openxmlformats.org/officeDocument/2006/relationships" xmlns:p="http://schemas.openxmlformats.org/presentationml/2006/main">
+  <p:cSld>
+    <p:spTree>
+      <p:nvGrpSpPr>
+        <p:cNvPr id="1" name=""/>
+        <p:cNvGrpSpPr/>
+        <p:nvPr/>
+      </p:nvGrpSpPr>
+      <p:grpSpPr>
+        <a:xfrm>
+          <a:off x="0" y="0"/>
+          <a:ext cx="0" cy="0"/>
+          <a:chOff x="0" y="0"/>
+          <a:chExt cx="0" cy="0"/>
+        </a:xfrm>
+      </p:grpSpPr>
+      <p:sp>
+        <p:nvSpPr>
+          <p:cNvPr id="2" name="Slide Image Placeholder 1"/>
+          <p:cNvSpPr>
+            <a:spLocks noGrp="1" noRot="1" noChangeAspect="1"/>
+          </p:cNvSpPr>
+          <p:nvPr>
+            <p:ph type="sldImg"/>
+          </p:nvPr>
+        </p:nvSpPr>
+        <p:spPr/>
+      </p:sp>
+      <p:sp>
+        <p:nvSpPr>
+          <p:cNvPr id="3" name="Notes Placeholder 2"/>
+          <p:cNvSpPr>
+            <a:spLocks noGrp="1"/>
+          </p:cNvSpPr>
+          <p:nvPr>
+            <p:ph type="body" idx="1"/>
+          </p:nvPr>
+        </p:nvSpPr>
+        <p:spPr/>
+        <p:txBody>
+          <a:bodyPr/>
+          <a:lstStyle/>
+          <a:p>
+            <a:r>
+              <a:rPr lang="de-DE" dirty="0"/>
               <a:t>Same system to the vive </a:t>
             </a:r>
           </a:p>
@@ -826,7 +910,7 @@
 </p:notes>
 </file>
 
-<file path=ppt/notesSlides/notesSlide5.xml><?xml version="1.0" encoding="utf-8"?>
+<file path=ppt/notesSlides/notesSlide6.xml><?xml version="1.0" encoding="utf-8"?>
 <p:notes xmlns:a="http://schemas.openxmlformats.org/drawingml/2006/main" xmlns:r="http://schemas.openxmlformats.org/officeDocument/2006/relationships" xmlns:p="http://schemas.openxmlformats.org/presentationml/2006/main">
   <p:cSld>
     <p:spTree>
@@ -1099,7 +1183,7 @@
           <a:p>
             <a:fld id="{88D38747-4367-4BD2-8D51-C97E202738E2}" type="datetime1">
               <a:rPr lang="en-US" smtClean="0"/>
-              <a:t>2/23/2022</a:t>
+              <a:t>2/24/2022</a:t>
             </a:fld>
             <a:endParaRPr lang="en-US" dirty="0"/>
           </a:p>
@@ -1142,7 +1226,7 @@
             <a:fld id="{3A98EE3D-8CD1-4C3F-BD1C-C98C9596463C}" type="slidenum">
               <a:rPr lang="en-US" smtClean="0"/>
               <a:pPr/>
-              <a:t>‹#›</a:t>
+              <a:t>‹Nr.›</a:t>
             </a:fld>
             <a:endParaRPr lang="en-US" dirty="0"/>
           </a:p>
@@ -1404,7 +1488,7 @@
           <a:p>
             <a:fld id="{11F1B079-7EF0-44EE-B798-BCC497C9F3B2}" type="datetime1">
               <a:rPr lang="en-US" smtClean="0"/>
-              <a:t>2/23/2022</a:t>
+              <a:t>2/24/2022</a:t>
             </a:fld>
             <a:endParaRPr lang="en-US" dirty="0"/>
           </a:p>
@@ -1446,7 +1530,7 @@
           <a:p>
             <a:fld id="{3A98EE3D-8CD1-4C3F-BD1C-C98C9596463C}" type="slidenum">
               <a:rPr lang="en-US" smtClean="0"/>
-              <a:t>‹#›</a:t>
+              <a:t>‹Nr.›</a:t>
             </a:fld>
             <a:endParaRPr lang="en-US" dirty="0"/>
           </a:p>
@@ -1598,7 +1682,7 @@
           <a:p>
             <a:fld id="{28FF70A8-1D13-4657-95F0-A9EA54967B8D}" type="datetime1">
               <a:rPr lang="en-US" smtClean="0"/>
-              <a:t>2/23/2022</a:t>
+              <a:t>2/24/2022</a:t>
             </a:fld>
             <a:endParaRPr lang="en-US" dirty="0"/>
           </a:p>
@@ -1640,7 +1724,7 @@
           <a:p>
             <a:fld id="{3A98EE3D-8CD1-4C3F-BD1C-C98C9596463C}" type="slidenum">
               <a:rPr lang="en-US" smtClean="0"/>
-              <a:t>‹#›</a:t>
+              <a:t>‹Nr.›</a:t>
             </a:fld>
             <a:endParaRPr lang="en-US" dirty="0"/>
           </a:p>
@@ -1861,7 +1945,7 @@
           <a:p>
             <a:fld id="{21EB90AC-71BD-4C7F-8ACA-7B3F18292E63}" type="datetime1">
               <a:rPr lang="en-US" smtClean="0"/>
-              <a:t>2/23/2022</a:t>
+              <a:t>2/24/2022</a:t>
             </a:fld>
             <a:endParaRPr lang="en-US" dirty="0"/>
           </a:p>
@@ -1903,7 +1987,7 @@
           <a:p>
             <a:fld id="{3A98EE3D-8CD1-4C3F-BD1C-C98C9596463C}" type="slidenum">
               <a:rPr lang="en-US" smtClean="0"/>
-              <a:t>‹#›</a:t>
+              <a:t>‹Nr.›</a:t>
             </a:fld>
             <a:endParaRPr lang="en-US" dirty="0"/>
           </a:p>
@@ -2297,7 +2381,7 @@
           <a:p>
             <a:fld id="{4E6EFC2C-8905-46F0-B443-CE905B76BA01}" type="datetime1">
               <a:rPr lang="en-US" smtClean="0"/>
-              <a:t>2/23/2022</a:t>
+              <a:t>2/24/2022</a:t>
             </a:fld>
             <a:endParaRPr lang="en-US" dirty="0"/>
           </a:p>
@@ -2339,7 +2423,7 @@
           <a:p>
             <a:fld id="{3A98EE3D-8CD1-4C3F-BD1C-C98C9596463C}" type="slidenum">
               <a:rPr lang="en-US" smtClean="0"/>
-              <a:t>‹#›</a:t>
+              <a:t>‹Nr.›</a:t>
             </a:fld>
             <a:endParaRPr lang="en-US" dirty="0"/>
           </a:p>
@@ -2834,7 +2918,7 @@
           <a:p>
             <a:fld id="{D9079DC3-C9B5-499E-9140-0DC28B7074E2}" type="datetime1">
               <a:rPr lang="en-US" smtClean="0"/>
-              <a:t>2/23/2022</a:t>
+              <a:t>2/24/2022</a:t>
             </a:fld>
             <a:endParaRPr lang="en-US" dirty="0"/>
           </a:p>
@@ -2876,7 +2960,7 @@
           <a:p>
             <a:fld id="{3A98EE3D-8CD1-4C3F-BD1C-C98C9596463C}" type="slidenum">
               <a:rPr lang="en-US" smtClean="0"/>
-              <a:t>‹#›</a:t>
+              <a:t>‹Nr.›</a:t>
             </a:fld>
             <a:endParaRPr lang="en-US" dirty="0"/>
           </a:p>
@@ -3716,7 +3800,7 @@
           <a:p>
             <a:fld id="{30BB33EA-E472-4D22-9C03-A9C14AA21CED}" type="datetime1">
               <a:rPr lang="en-US" smtClean="0"/>
-              <a:t>2/23/2022</a:t>
+              <a:t>2/24/2022</a:t>
             </a:fld>
             <a:endParaRPr lang="en-US" dirty="0"/>
           </a:p>
@@ -3758,7 +3842,7 @@
           <a:p>
             <a:fld id="{3A98EE3D-8CD1-4C3F-BD1C-C98C9596463C}" type="slidenum">
               <a:rPr lang="en-US" smtClean="0"/>
-              <a:t>‹#›</a:t>
+              <a:t>‹Nr.›</a:t>
             </a:fld>
             <a:endParaRPr lang="en-US" dirty="0"/>
           </a:p>
@@ -3886,7 +3970,7 @@
           <a:p>
             <a:fld id="{217E833E-1B6D-415F-AD29-75AE8C43BD0D}" type="datetime1">
               <a:rPr lang="en-US" smtClean="0"/>
-              <a:t>2/23/2022</a:t>
+              <a:t>2/24/2022</a:t>
             </a:fld>
             <a:endParaRPr lang="en-US" dirty="0"/>
           </a:p>
@@ -3928,7 +4012,7 @@
           <a:p>
             <a:fld id="{3A98EE3D-8CD1-4C3F-BD1C-C98C9596463C}" type="slidenum">
               <a:rPr lang="en-US" smtClean="0"/>
-              <a:t>‹#›</a:t>
+              <a:t>‹Nr.›</a:t>
             </a:fld>
             <a:endParaRPr lang="en-US" dirty="0"/>
           </a:p>
@@ -4070,7 +4154,7 @@
           <a:p>
             <a:fld id="{8452596F-08A7-4B70-989A-F2B1CF31E66B}" type="datetime1">
               <a:rPr lang="en-US" smtClean="0"/>
-              <a:t>2/23/2022</a:t>
+              <a:t>2/24/2022</a:t>
             </a:fld>
             <a:endParaRPr lang="en-US" dirty="0"/>
           </a:p>
@@ -4112,7 +4196,7 @@
           <a:p>
             <a:fld id="{3A98EE3D-8CD1-4C3F-BD1C-C98C9596463C}" type="slidenum">
               <a:rPr lang="en-US" smtClean="0"/>
-              <a:t>‹#›</a:t>
+              <a:t>‹Nr.›</a:t>
             </a:fld>
             <a:endParaRPr lang="en-US" dirty="0"/>
           </a:p>
@@ -4240,7 +4324,7 @@
           <a:p>
             <a:fld id="{73C55A3C-5767-4844-A0A3-83778C2E5409}" type="datetime1">
               <a:rPr lang="en-US" smtClean="0"/>
-              <a:t>2/23/2022</a:t>
+              <a:t>2/24/2022</a:t>
             </a:fld>
             <a:endParaRPr lang="en-US" dirty="0"/>
           </a:p>
@@ -4282,7 +4366,7 @@
           <a:p>
             <a:fld id="{3A98EE3D-8CD1-4C3F-BD1C-C98C9596463C}" type="slidenum">
               <a:rPr lang="en-US" smtClean="0"/>
-              <a:t>‹#›</a:t>
+              <a:t>‹Nr.›</a:t>
             </a:fld>
             <a:endParaRPr lang="en-US" dirty="0"/>
           </a:p>
@@ -4484,7 +4568,7 @@
           <a:p>
             <a:fld id="{CAE507A8-A5CF-4D38-AB86-7EDDA87A85D4}" type="datetime1">
               <a:rPr lang="en-US" smtClean="0"/>
-              <a:t>2/23/2022</a:t>
+              <a:t>2/24/2022</a:t>
             </a:fld>
             <a:endParaRPr lang="en-US" dirty="0"/>
           </a:p>
@@ -4527,7 +4611,7 @@
             <a:fld id="{3A98EE3D-8CD1-4C3F-BD1C-C98C9596463C}" type="slidenum">
               <a:rPr lang="en-US" smtClean="0"/>
               <a:pPr/>
-              <a:t>‹#›</a:t>
+              <a:t>‹Nr.›</a:t>
             </a:fld>
             <a:endParaRPr lang="en-US" dirty="0"/>
           </a:p>
@@ -4726,7 +4810,7 @@
           <a:p>
             <a:fld id="{BDFCD27C-8599-43EF-BA1D-14DDC1946E06}" type="datetime1">
               <a:rPr lang="en-US" smtClean="0"/>
-              <a:t>2/23/2022</a:t>
+              <a:t>2/24/2022</a:t>
             </a:fld>
             <a:endParaRPr lang="en-US" dirty="0"/>
           </a:p>
@@ -4768,7 +4852,7 @@
           <a:p>
             <a:fld id="{3A98EE3D-8CD1-4C3F-BD1C-C98C9596463C}" type="slidenum">
               <a:rPr lang="en-US" smtClean="0"/>
-              <a:t>‹#›</a:t>
+              <a:t>‹Nr.›</a:t>
             </a:fld>
             <a:endParaRPr lang="en-US" dirty="0"/>
           </a:p>
@@ -5207,7 +5291,7 @@
           <a:p>
             <a:fld id="{49343D99-809A-49C0-96E5-4250D0B498EE}" type="datetime1">
               <a:rPr lang="en-US" smtClean="0"/>
-              <a:t>2/23/2022</a:t>
+              <a:t>2/24/2022</a:t>
             </a:fld>
             <a:endParaRPr lang="en-US" dirty="0"/>
           </a:p>
@@ -5249,7 +5333,7 @@
           <a:p>
             <a:fld id="{3A98EE3D-8CD1-4C3F-BD1C-C98C9596463C}" type="slidenum">
               <a:rPr lang="en-US" smtClean="0"/>
-              <a:t>‹#›</a:t>
+              <a:t>‹Nr.›</a:t>
             </a:fld>
             <a:endParaRPr lang="en-US" dirty="0"/>
           </a:p>
@@ -5325,7 +5409,7 @@
           <a:p>
             <a:fld id="{A143DE9B-B678-4EFB-BB7D-A4370204A0B0}" type="datetime1">
               <a:rPr lang="en-US" smtClean="0"/>
-              <a:t>2/23/2022</a:t>
+              <a:t>2/24/2022</a:t>
             </a:fld>
             <a:endParaRPr lang="en-US" dirty="0"/>
           </a:p>
@@ -5367,7 +5451,7 @@
           <a:p>
             <a:fld id="{3A98EE3D-8CD1-4C3F-BD1C-C98C9596463C}" type="slidenum">
               <a:rPr lang="en-US" smtClean="0"/>
-              <a:t>‹#›</a:t>
+              <a:t>‹Nr.›</a:t>
             </a:fld>
             <a:endParaRPr lang="en-US" dirty="0"/>
           </a:p>
@@ -5420,7 +5504,7 @@
           <a:p>
             <a:fld id="{E68812DA-F765-4142-A6A3-A8ED7235E082}" type="datetime1">
               <a:rPr lang="en-US" smtClean="0"/>
-              <a:t>2/23/2022</a:t>
+              <a:t>2/24/2022</a:t>
             </a:fld>
             <a:endParaRPr lang="en-US" dirty="0"/>
           </a:p>
@@ -5462,7 +5546,7 @@
           <a:p>
             <a:fld id="{3A98EE3D-8CD1-4C3F-BD1C-C98C9596463C}" type="slidenum">
               <a:rPr lang="en-US" smtClean="0"/>
-              <a:t>‹#›</a:t>
+              <a:t>‹Nr.›</a:t>
             </a:fld>
             <a:endParaRPr lang="en-US" dirty="0"/>
           </a:p>
@@ -5675,7 +5759,7 @@
           <a:p>
             <a:fld id="{3E0277FD-7DE6-41D4-930D-AC99F5AFE54E}" type="datetime1">
               <a:rPr lang="en-US" smtClean="0"/>
-              <a:t>2/23/2022</a:t>
+              <a:t>2/24/2022</a:t>
             </a:fld>
             <a:endParaRPr lang="en-US" dirty="0"/>
           </a:p>
@@ -5718,7 +5802,7 @@
             <a:fld id="{3A98EE3D-8CD1-4C3F-BD1C-C98C9596463C}" type="slidenum">
               <a:rPr lang="en-US" smtClean="0"/>
               <a:pPr/>
-              <a:t>‹#›</a:t>
+              <a:t>‹Nr.›</a:t>
             </a:fld>
             <a:endParaRPr lang="en-US" dirty="0"/>
           </a:p>
@@ -5982,7 +6066,7 @@
           <a:p>
             <a:fld id="{9EA15526-7079-4B7B-987C-1B5FAE11A0FF}" type="datetime1">
               <a:rPr lang="en-US" smtClean="0"/>
-              <a:t>2/23/2022</a:t>
+              <a:t>2/24/2022</a:t>
             </a:fld>
             <a:endParaRPr lang="en-US" dirty="0"/>
           </a:p>
@@ -6025,7 +6109,7 @@
           <a:p>
             <a:fld id="{3A98EE3D-8CD1-4C3F-BD1C-C98C9596463C}" type="slidenum">
               <a:rPr lang="en-US" smtClean="0"/>
-              <a:t>‹#›</a:t>
+              <a:t>‹Nr.›</a:t>
             </a:fld>
             <a:endParaRPr lang="en-US" dirty="0"/>
           </a:p>
@@ -6217,7 +6301,7 @@
           <a:p>
             <a:fld id="{073ED0CC-082F-4160-86E5-0D6041F12778}" type="datetime1">
               <a:rPr lang="en-US" smtClean="0"/>
-              <a:t>2/23/2022</a:t>
+              <a:t>2/24/2022</a:t>
             </a:fld>
             <a:endParaRPr lang="en-US" dirty="0"/>
           </a:p>
@@ -6309,7 +6393,7 @@
           <a:p>
             <a:fld id="{3A98EE3D-8CD1-4C3F-BD1C-C98C9596463C}" type="slidenum">
               <a:rPr lang="en-US" smtClean="0"/>
-              <a:t>‹#›</a:t>
+              <a:t>‹Nr.›</a:t>
             </a:fld>
             <a:endParaRPr lang="en-US" dirty="0"/>
           </a:p>
@@ -7018,10 +7102,10 @@
           <a:lstStyle/>
           <a:p>
             <a:r>
-              <a:rPr lang="de-DE" sz="4800"/>
+              <a:rPr lang="de-DE" sz="4800" dirty="0"/>
               <a:t>Virtual Reality</a:t>
             </a:r>
-            <a:endParaRPr lang="en-US" sz="4800"/>
+            <a:endParaRPr lang="en-US" sz="4800" dirty="0"/>
           </a:p>
         </p:txBody>
       </p:sp>
@@ -7570,51 +7654,53 @@
         </p:nvSpPr>
         <p:spPr/>
         <p:txBody>
-          <a:bodyPr/>
-          <a:lstStyle/>
-          <a:p>
-            <a:r>
-              <a:rPr lang="de-DE" dirty="0" err="1"/>
+          <a:bodyPr>
+            <a:normAutofit/>
+          </a:bodyPr>
+          <a:lstStyle/>
+          <a:p>
+            <a:r>
+              <a:rPr lang="de-DE" sz="3600" dirty="0" err="1"/>
               <a:t>What</a:t>
             </a:r>
             <a:r>
-              <a:rPr lang="de-DE" dirty="0"/>
+              <a:rPr lang="de-DE" sz="3600" dirty="0"/>
               <a:t> </a:t>
             </a:r>
             <a:r>
-              <a:rPr lang="de-DE" dirty="0" err="1"/>
+              <a:rPr lang="de-DE" sz="3600" dirty="0" err="1"/>
               <a:t>is</a:t>
             </a:r>
             <a:r>
-              <a:rPr lang="de-DE" dirty="0"/>
+              <a:rPr lang="de-DE" sz="3600" dirty="0"/>
               <a:t> VR?</a:t>
             </a:r>
           </a:p>
           <a:p>
             <a:r>
-              <a:rPr lang="de-DE" dirty="0" err="1"/>
+              <a:rPr lang="de-DE" sz="3600" dirty="0" err="1"/>
               <a:t>History</a:t>
             </a:r>
-            <a:endParaRPr lang="de-DE" dirty="0"/>
-          </a:p>
-          <a:p>
-            <a:r>
-              <a:rPr lang="de-DE" dirty="0" err="1"/>
+            <a:endParaRPr lang="de-DE" sz="3600" dirty="0"/>
+          </a:p>
+          <a:p>
+            <a:r>
+              <a:rPr lang="de-DE" sz="3600" dirty="0" err="1"/>
               <a:t>Companys</a:t>
             </a:r>
             <a:r>
-              <a:rPr lang="de-DE" dirty="0"/>
+              <a:rPr lang="de-DE" sz="3600" dirty="0"/>
               <a:t>, and VR Headset </a:t>
             </a:r>
             <a:r>
-              <a:rPr lang="de-DE" dirty="0" err="1"/>
+              <a:rPr lang="de-DE" sz="3600" dirty="0" err="1"/>
               <a:t>models</a:t>
             </a:r>
-            <a:endParaRPr lang="de-DE" dirty="0"/>
-          </a:p>
-          <a:p>
-            <a:r>
-              <a:rPr lang="en-US" dirty="0"/>
+            <a:endParaRPr lang="de-DE" sz="3600" dirty="0"/>
+          </a:p>
+          <a:p>
+            <a:r>
+              <a:rPr lang="en-US" sz="3600" dirty="0"/>
               <a:t>Technology</a:t>
             </a:r>
           </a:p>
@@ -7709,190 +7795,192 @@
         </p:nvSpPr>
         <p:spPr/>
         <p:txBody>
-          <a:bodyPr/>
+          <a:bodyPr>
+            <a:normAutofit/>
+          </a:bodyPr>
           <a:lstStyle/>
           <a:p>
             <a:pPr marL="36900" indent="0">
               <a:buNone/>
             </a:pPr>
             <a:r>
-              <a:rPr lang="de-DE" dirty="0"/>
+              <a:rPr lang="de-DE" sz="3200" dirty="0"/>
               <a:t>VR(Virtual Reality) </a:t>
             </a:r>
             <a:r>
-              <a:rPr lang="de-DE" dirty="0" err="1"/>
+              <a:rPr lang="de-DE" sz="3200" dirty="0" err="1"/>
               <a:t>is</a:t>
             </a:r>
             <a:r>
-              <a:rPr lang="de-DE" dirty="0"/>
+              <a:rPr lang="de-DE" sz="3200" dirty="0"/>
               <a:t> a </a:t>
             </a:r>
             <a:r>
-              <a:rPr lang="de-DE" dirty="0" err="1"/>
+              <a:rPr lang="de-DE" sz="3200" dirty="0" err="1"/>
               <a:t>simulation</a:t>
             </a:r>
             <a:r>
-              <a:rPr lang="de-DE" dirty="0"/>
+              <a:rPr lang="de-DE" sz="3200" dirty="0"/>
               <a:t> </a:t>
             </a:r>
             <a:r>
-              <a:rPr lang="de-DE" dirty="0" err="1"/>
+              <a:rPr lang="de-DE" sz="3200" dirty="0" err="1"/>
               <a:t>of</a:t>
             </a:r>
             <a:r>
-              <a:rPr lang="de-DE" dirty="0"/>
+              <a:rPr lang="de-DE" sz="3200" dirty="0"/>
               <a:t> a </a:t>
             </a:r>
             <a:r>
-              <a:rPr lang="de-DE" dirty="0" err="1"/>
+              <a:rPr lang="de-DE" sz="3200" dirty="0" err="1"/>
               <a:t>world</a:t>
             </a:r>
             <a:r>
-              <a:rPr lang="de-DE" dirty="0"/>
+              <a:rPr lang="de-DE" sz="3200" dirty="0"/>
               <a:t> </a:t>
             </a:r>
             <a:r>
-              <a:rPr lang="de-DE" dirty="0" err="1"/>
+              <a:rPr lang="de-DE" sz="3200" dirty="0" err="1"/>
               <a:t>similar</a:t>
             </a:r>
             <a:r>
-              <a:rPr lang="de-DE" dirty="0"/>
+              <a:rPr lang="de-DE" sz="3200" dirty="0"/>
               <a:t> </a:t>
             </a:r>
             <a:r>
-              <a:rPr lang="de-DE" dirty="0" err="1"/>
+              <a:rPr lang="de-DE" sz="3200" dirty="0" err="1"/>
               <a:t>or</a:t>
             </a:r>
             <a:r>
-              <a:rPr lang="de-DE" dirty="0"/>
+              <a:rPr lang="de-DE" sz="3200" dirty="0"/>
               <a:t> </a:t>
             </a:r>
             <a:r>
-              <a:rPr lang="de-DE" dirty="0" err="1"/>
+              <a:rPr lang="de-DE" sz="3200" dirty="0" err="1"/>
               <a:t>completly</a:t>
             </a:r>
             <a:r>
-              <a:rPr lang="de-DE" dirty="0"/>
+              <a:rPr lang="de-DE" sz="3200" dirty="0"/>
               <a:t> </a:t>
             </a:r>
             <a:r>
-              <a:rPr lang="de-DE" dirty="0" err="1"/>
+              <a:rPr lang="de-DE" sz="3200" dirty="0" err="1"/>
               <a:t>differnet</a:t>
             </a:r>
             <a:r>
-              <a:rPr lang="de-DE" dirty="0"/>
+              <a:rPr lang="de-DE" sz="3200" dirty="0"/>
               <a:t> </a:t>
             </a:r>
             <a:r>
-              <a:rPr lang="de-DE" dirty="0" err="1"/>
+              <a:rPr lang="de-DE" sz="3200" dirty="0" err="1"/>
               <a:t>to</a:t>
             </a:r>
             <a:r>
-              <a:rPr lang="de-DE" dirty="0"/>
+              <a:rPr lang="de-DE" sz="3200" dirty="0"/>
               <a:t> </a:t>
             </a:r>
             <a:r>
-              <a:rPr lang="de-DE" dirty="0" err="1"/>
+              <a:rPr lang="de-DE" sz="3200" dirty="0" err="1"/>
               <a:t>the</a:t>
             </a:r>
             <a:r>
-              <a:rPr lang="de-DE" dirty="0"/>
+              <a:rPr lang="de-DE" sz="3200" dirty="0"/>
               <a:t> real </a:t>
             </a:r>
             <a:r>
-              <a:rPr lang="de-DE" dirty="0" err="1"/>
+              <a:rPr lang="de-DE" sz="3200" dirty="0" err="1"/>
               <a:t>world</a:t>
             </a:r>
             <a:r>
-              <a:rPr lang="de-DE" dirty="0"/>
+              <a:rPr lang="de-DE" sz="3200" dirty="0"/>
               <a:t> </a:t>
             </a:r>
             <a:r>
-              <a:rPr lang="de-DE" dirty="0" err="1"/>
+              <a:rPr lang="de-DE" sz="3200" dirty="0" err="1"/>
               <a:t>which</a:t>
             </a:r>
             <a:r>
-              <a:rPr lang="de-DE" dirty="0"/>
+              <a:rPr lang="de-DE" sz="3200" dirty="0"/>
               <a:t> </a:t>
             </a:r>
             <a:r>
-              <a:rPr lang="de-DE" dirty="0" err="1"/>
+              <a:rPr lang="de-DE" sz="3200" dirty="0" err="1"/>
               <a:t>is</a:t>
             </a:r>
             <a:r>
-              <a:rPr lang="de-DE" dirty="0"/>
+              <a:rPr lang="de-DE" sz="3200" dirty="0"/>
               <a:t> </a:t>
             </a:r>
             <a:r>
-              <a:rPr lang="de-DE" dirty="0" err="1"/>
+              <a:rPr lang="de-DE" sz="3200" dirty="0" err="1"/>
               <a:t>used</a:t>
             </a:r>
             <a:r>
-              <a:rPr lang="de-DE" dirty="0"/>
+              <a:rPr lang="de-DE" sz="3200" dirty="0"/>
               <a:t> </a:t>
             </a:r>
             <a:r>
-              <a:rPr lang="de-DE" dirty="0" err="1"/>
+              <a:rPr lang="de-DE" sz="3200" dirty="0" err="1"/>
               <a:t>for</a:t>
             </a:r>
             <a:r>
-              <a:rPr lang="de-DE" dirty="0"/>
+              <a:rPr lang="de-DE" sz="3200" dirty="0"/>
               <a:t> </a:t>
             </a:r>
             <a:r>
-              <a:rPr lang="de-DE" dirty="0" err="1"/>
+              <a:rPr lang="de-DE" sz="3200" dirty="0" err="1"/>
               <a:t>gaming</a:t>
             </a:r>
             <a:r>
-              <a:rPr lang="de-DE" dirty="0"/>
+              <a:rPr lang="de-DE" sz="3200" dirty="0"/>
               <a:t>, </a:t>
             </a:r>
             <a:r>
-              <a:rPr lang="de-DE" dirty="0" err="1"/>
+              <a:rPr lang="de-DE" sz="3200" dirty="0" err="1"/>
               <a:t>education</a:t>
             </a:r>
             <a:r>
-              <a:rPr lang="de-DE" dirty="0"/>
+              <a:rPr lang="de-DE" sz="3200" dirty="0"/>
               <a:t>(school, </a:t>
             </a:r>
             <a:r>
-              <a:rPr lang="de-DE" dirty="0" err="1"/>
+              <a:rPr lang="de-DE" sz="3200" dirty="0" err="1"/>
               <a:t>military</a:t>
             </a:r>
             <a:r>
-              <a:rPr lang="de-DE" dirty="0"/>
+              <a:rPr lang="de-DE" sz="3200" dirty="0"/>
               <a:t>, </a:t>
             </a:r>
             <a:r>
-              <a:rPr lang="de-DE" dirty="0" err="1"/>
+              <a:rPr lang="de-DE" sz="3200" dirty="0" err="1"/>
               <a:t>space</a:t>
             </a:r>
             <a:r>
-              <a:rPr lang="de-DE" dirty="0"/>
+              <a:rPr lang="de-DE" sz="3200" dirty="0"/>
               <a:t> </a:t>
             </a:r>
             <a:r>
-              <a:rPr lang="de-DE" dirty="0" err="1"/>
+              <a:rPr lang="de-DE" sz="3200" dirty="0" err="1"/>
               <a:t>Agencys</a:t>
             </a:r>
             <a:r>
-              <a:rPr lang="de-DE" dirty="0"/>
+              <a:rPr lang="de-DE" sz="3200" dirty="0"/>
               <a:t>), and </a:t>
             </a:r>
             <a:r>
-              <a:rPr lang="de-DE" dirty="0" err="1"/>
+              <a:rPr lang="de-DE" sz="3200" dirty="0" err="1"/>
               <a:t>even</a:t>
             </a:r>
             <a:r>
-              <a:rPr lang="de-DE" dirty="0"/>
+              <a:rPr lang="de-DE" sz="3200" dirty="0"/>
               <a:t> </a:t>
             </a:r>
             <a:r>
-              <a:rPr lang="de-DE" dirty="0" err="1"/>
+              <a:rPr lang="de-DE" sz="3200" dirty="0" err="1"/>
               <a:t>business</a:t>
             </a:r>
             <a:r>
-              <a:rPr lang="de-DE" dirty="0"/>
+              <a:rPr lang="de-DE" sz="3200" dirty="0"/>
               <a:t>.</a:t>
             </a:r>
           </a:p>
@@ -7900,7 +7988,7 @@
             <a:pPr marL="36900" indent="0">
               <a:buNone/>
             </a:pPr>
-            <a:endParaRPr lang="de-DE" b="0" i="0" dirty="0">
+            <a:endParaRPr lang="de-DE" sz="3200" b="0" i="0" dirty="0">
               <a:solidFill>
                 <a:srgbClr val="202122"/>
               </a:solidFill>
@@ -7913,7 +8001,7 @@
               <a:buNone/>
             </a:pPr>
             <a:r>
-              <a:rPr lang="en-US" b="0" i="0" dirty="0">
+              <a:rPr lang="en-US" sz="3200" b="0" i="0" dirty="0">
                 <a:solidFill>
                   <a:srgbClr val="202122"/>
                 </a:solidFill>
@@ -7923,7 +8011,7 @@
               <a:t> </a:t>
             </a:r>
             <a:r>
-              <a:rPr lang="en-US" dirty="0">
+              <a:rPr lang="en-US" sz="3200" dirty="0">
                 <a:solidFill>
                   <a:schemeClr val="tx1"/>
                 </a:solidFill>
@@ -7933,7 +8021,7 @@
               <a:t>T</a:t>
             </a:r>
             <a:r>
-              <a:rPr lang="en-US" b="0" i="0" dirty="0">
+              <a:rPr lang="en-US" sz="3200" b="0" i="0" dirty="0">
                 <a:solidFill>
                   <a:schemeClr val="tx1"/>
                 </a:solidFill>
@@ -7943,7 +8031,7 @@
               <a:t>he umbrella term “VR” also con</a:t>
             </a:r>
             <a:r>
-              <a:rPr lang="en-US" dirty="0">
+              <a:rPr lang="en-US" sz="3200" dirty="0">
                 <a:solidFill>
                   <a:schemeClr val="tx1"/>
                 </a:solidFill>
@@ -7953,7 +8041,7 @@
               <a:t>tains</a:t>
             </a:r>
             <a:r>
-              <a:rPr lang="en-US" b="0" i="0" dirty="0">
+              <a:rPr lang="en-US" sz="3200" b="0" i="0" dirty="0">
                 <a:solidFill>
                   <a:schemeClr val="tx1"/>
                 </a:solidFill>
@@ -7962,7 +8050,7 @@
               </a:rPr>
               <a:t> AR, and Mixed Reality</a:t>
             </a:r>
-            <a:endParaRPr lang="en-US" dirty="0"/>
+            <a:endParaRPr lang="en-US" sz="3200" dirty="0"/>
           </a:p>
         </p:txBody>
       </p:sp>

--- a/english/ppp/VR english ppp.pptx
+++ b/english/ppp/VR english ppp.pptx
@@ -120,6 +120,9 @@
   <p:extLst>
     <p:ext uri="{EFAFB233-063F-42B5-8137-9DF3F51BA10A}">
       <p15:sldGuideLst xmlns:p15="http://schemas.microsoft.com/office/powerpoint/2012/main"/>
+    </p:ext>
+    <p:ext uri="{2D200454-40CA-4A62-9FC3-DE9A4176ACB9}">
+      <p15:notesGuideLst xmlns:p15="http://schemas.microsoft.com/office/powerpoint/2012/main"/>
     </p:ext>
   </p:extLst>
 </p:presentation>
@@ -7655,7 +7658,7 @@
         <p:spPr/>
         <p:txBody>
           <a:bodyPr>
-            <a:normAutofit/>
+            <a:normAutofit lnSpcReduction="10000"/>
           </a:bodyPr>
           <a:lstStyle/>
           <a:p>
@@ -7702,6 +7705,12 @@
             <a:r>
               <a:rPr lang="en-US" sz="3600" dirty="0"/>
               <a:t>Technology</a:t>
+            </a:r>
+          </a:p>
+          <a:p>
+            <a:r>
+              <a:rPr lang="en-US" sz="3600" dirty="0"/>
+              <a:t>Sources</a:t>
             </a:r>
           </a:p>
         </p:txBody>
